--- a/apresentacao/testes_raiz_unitária.pptx
+++ b/apresentacao/testes_raiz_unitária.pptx
@@ -9,6 +9,12 @@
     <p:sldId id="257" r:id="rId3"/>
     <p:sldId id="258" r:id="rId4"/>
     <p:sldId id="259" r:id="rId5"/>
+    <p:sldId id="261" r:id="rId6"/>
+    <p:sldId id="262" r:id="rId7"/>
+    <p:sldId id="263" r:id="rId8"/>
+    <p:sldId id="265" r:id="rId9"/>
+    <p:sldId id="266" r:id="rId10"/>
+    <p:sldId id="267" r:id="rId11"/>
   </p:sldIdLst>
   <p:sldSz cx="12192000" cy="6858000"/>
   <p:notesSz cx="6858000" cy="9144000"/>
@@ -107,6 +113,11 @@
       </a:defRPr>
     </a:lvl9pPr>
   </p:defaultTextStyle>
+  <p:extLst>
+    <p:ext uri="{EFAFB233-063F-42B5-8137-9DF3F51BA10A}">
+      <p15:sldGuideLst xmlns:p15="http://schemas.microsoft.com/office/powerpoint/2012/main"/>
+    </p:ext>
+  </p:extLst>
 </p:presentation>
 </file>
 
@@ -241,7 +252,7 @@
           <a:p>
             <a:fld id="{35DAD9EA-37EF-4E81-AC18-8048E5725C8B}" type="datetimeFigureOut">
               <a:rPr lang="pt-BR" smtClean="0"/>
-              <a:t>07/05/2023</a:t>
+              <a:t>09/05/2023</a:t>
             </a:fld>
             <a:endParaRPr lang="pt-BR"/>
           </a:p>
@@ -418,7 +429,7 @@
           <a:p>
             <a:fld id="{35DAD9EA-37EF-4E81-AC18-8048E5725C8B}" type="datetimeFigureOut">
               <a:rPr lang="pt-BR" smtClean="0"/>
-              <a:t>07/05/2023</a:t>
+              <a:t>09/05/2023</a:t>
             </a:fld>
             <a:endParaRPr lang="pt-BR"/>
           </a:p>
@@ -598,7 +609,7 @@
           <a:p>
             <a:fld id="{35DAD9EA-37EF-4E81-AC18-8048E5725C8B}" type="datetimeFigureOut">
               <a:rPr lang="pt-BR" smtClean="0"/>
-              <a:t>07/05/2023</a:t>
+              <a:t>09/05/2023</a:t>
             </a:fld>
             <a:endParaRPr lang="pt-BR"/>
           </a:p>
@@ -768,7 +779,7 @@
           <a:p>
             <a:fld id="{35DAD9EA-37EF-4E81-AC18-8048E5725C8B}" type="datetimeFigureOut">
               <a:rPr lang="pt-BR" smtClean="0"/>
-              <a:t>07/05/2023</a:t>
+              <a:t>09/05/2023</a:t>
             </a:fld>
             <a:endParaRPr lang="pt-BR"/>
           </a:p>
@@ -1014,7 +1025,7 @@
           <a:p>
             <a:fld id="{35DAD9EA-37EF-4E81-AC18-8048E5725C8B}" type="datetimeFigureOut">
               <a:rPr lang="pt-BR" smtClean="0"/>
-              <a:t>07/05/2023</a:t>
+              <a:t>09/05/2023</a:t>
             </a:fld>
             <a:endParaRPr lang="pt-BR"/>
           </a:p>
@@ -1246,7 +1257,7 @@
           <a:p>
             <a:fld id="{35DAD9EA-37EF-4E81-AC18-8048E5725C8B}" type="datetimeFigureOut">
               <a:rPr lang="pt-BR" smtClean="0"/>
-              <a:t>07/05/2023</a:t>
+              <a:t>09/05/2023</a:t>
             </a:fld>
             <a:endParaRPr lang="pt-BR"/>
           </a:p>
@@ -1613,7 +1624,7 @@
           <a:p>
             <a:fld id="{35DAD9EA-37EF-4E81-AC18-8048E5725C8B}" type="datetimeFigureOut">
               <a:rPr lang="pt-BR" smtClean="0"/>
-              <a:t>07/05/2023</a:t>
+              <a:t>09/05/2023</a:t>
             </a:fld>
             <a:endParaRPr lang="pt-BR"/>
           </a:p>
@@ -1731,7 +1742,7 @@
           <a:p>
             <a:fld id="{35DAD9EA-37EF-4E81-AC18-8048E5725C8B}" type="datetimeFigureOut">
               <a:rPr lang="pt-BR" smtClean="0"/>
-              <a:t>07/05/2023</a:t>
+              <a:t>09/05/2023</a:t>
             </a:fld>
             <a:endParaRPr lang="pt-BR"/>
           </a:p>
@@ -1826,7 +1837,7 @@
           <a:p>
             <a:fld id="{35DAD9EA-37EF-4E81-AC18-8048E5725C8B}" type="datetimeFigureOut">
               <a:rPr lang="pt-BR" smtClean="0"/>
-              <a:t>07/05/2023</a:t>
+              <a:t>09/05/2023</a:t>
             </a:fld>
             <a:endParaRPr lang="pt-BR"/>
           </a:p>
@@ -2103,7 +2114,7 @@
           <a:p>
             <a:fld id="{35DAD9EA-37EF-4E81-AC18-8048E5725C8B}" type="datetimeFigureOut">
               <a:rPr lang="pt-BR" smtClean="0"/>
-              <a:t>07/05/2023</a:t>
+              <a:t>09/05/2023</a:t>
             </a:fld>
             <a:endParaRPr lang="pt-BR"/>
           </a:p>
@@ -2360,7 +2371,7 @@
           <a:p>
             <a:fld id="{35DAD9EA-37EF-4E81-AC18-8048E5725C8B}" type="datetimeFigureOut">
               <a:rPr lang="pt-BR" smtClean="0"/>
-              <a:t>07/05/2023</a:t>
+              <a:t>09/05/2023</a:t>
             </a:fld>
             <a:endParaRPr lang="pt-BR"/>
           </a:p>
@@ -2573,7 +2584,7 @@
           <a:p>
             <a:fld id="{35DAD9EA-37EF-4E81-AC18-8048E5725C8B}" type="datetimeFigureOut">
               <a:rPr lang="pt-BR" smtClean="0"/>
-              <a:t>07/05/2023</a:t>
+              <a:t>09/05/2023</a:t>
             </a:fld>
             <a:endParaRPr lang="pt-BR"/>
           </a:p>
@@ -3172,7 +3183,7 @@
 </p:sld>
 </file>
 
-<file path=ppt/slides/slide2.xml><?xml version="1.0" encoding="utf-8"?>
+<file path=ppt/slides/slide10.xml><?xml version="1.0" encoding="utf-8"?>
 <p:sld xmlns:a="http://schemas.openxmlformats.org/drawingml/2006/main" xmlns:r="http://schemas.openxmlformats.org/officeDocument/2006/relationships" xmlns:p="http://schemas.openxmlformats.org/presentationml/2006/main">
   <p:cSld>
     <p:spTree>
@@ -3191,71 +3202,84 @@
       </p:grpSpPr>
       <p:sp>
         <p:nvSpPr>
-          <p:cNvPr id="7" name="Título 6"/>
-          <p:cNvSpPr>
-            <a:spLocks noGrp="1"/>
-          </p:cNvSpPr>
-          <p:nvPr>
-            <p:ph type="ctrTitle"/>
-          </p:nvPr>
-        </p:nvSpPr>
-        <p:spPr>
-          <a:xfrm>
-            <a:off x="0" y="954223"/>
-            <a:ext cx="10307392" cy="835226"/>
-          </a:xfrm>
-        </p:spPr>
-        <p:txBody>
-          <a:bodyPr>
-            <a:normAutofit/>
-          </a:bodyPr>
+          <p:cNvPr id="8" name="Subtítulo 7"/>
+          <p:cNvSpPr>
+            <a:spLocks noGrp="1"/>
+          </p:cNvSpPr>
+          <p:nvPr>
+            <p:ph type="subTitle" idx="1"/>
+          </p:nvPr>
+        </p:nvSpPr>
+        <p:spPr>
+          <a:xfrm>
+            <a:off x="360608" y="965915"/>
+            <a:ext cx="10307392" cy="5434885"/>
+          </a:xfrm>
+        </p:spPr>
+        <p:txBody>
+          <a:bodyPr/>
           <a:lstStyle/>
           <a:p>
             <a:pPr algn="l"/>
-            <a:r>
-              <a:rPr lang="pt-BR" sz="4000" dirty="0" smtClean="0">
-                <a:latin typeface="Times New Roman" panose="02020603050405020304" pitchFamily="18" charset="0"/>
-                <a:cs typeface="Times New Roman" panose="02020603050405020304" pitchFamily="18" charset="0"/>
-              </a:rPr>
-              <a:t>Série temporal utilizada</a:t>
-            </a:r>
-            <a:endParaRPr lang="pt-BR" sz="4000" dirty="0">
-              <a:latin typeface="Times New Roman" panose="02020603050405020304" pitchFamily="18" charset="0"/>
-              <a:cs typeface="Times New Roman" panose="02020603050405020304" pitchFamily="18" charset="0"/>
-            </a:endParaRPr>
-          </a:p>
-        </p:txBody>
-      </p:sp>
-      <p:sp>
-        <p:nvSpPr>
-          <p:cNvPr id="8" name="Subtítulo 7"/>
-          <p:cNvSpPr>
-            <a:spLocks noGrp="1"/>
-          </p:cNvSpPr>
-          <p:nvPr>
-            <p:ph type="subTitle" idx="1"/>
-          </p:nvPr>
-        </p:nvSpPr>
-        <p:spPr>
-          <a:xfrm>
-            <a:off x="360608" y="1789449"/>
-            <a:ext cx="10307392" cy="4651146"/>
-          </a:xfrm>
-        </p:spPr>
-        <p:txBody>
-          <a:bodyPr/>
-          <a:lstStyle/>
-          <a:p>
             <a:r>
               <a:rPr lang="pt-BR" dirty="0" smtClean="0">
                 <a:latin typeface="Times New Roman" panose="02020603050405020304" pitchFamily="18" charset="0"/>
                 <a:cs typeface="Times New Roman" panose="02020603050405020304" pitchFamily="18" charset="0"/>
               </a:rPr>
-              <a:t>Índice da indústria de transformação brasileira:  2002-2023</a:t>
-            </a:r>
+              <a:t>Teste de raiz unitária sazonal – </a:t>
+            </a:r>
+            <a:r>
+              <a:rPr lang="pt-BR" dirty="0" smtClean="0">
+                <a:latin typeface="Times New Roman" panose="02020603050405020304" pitchFamily="18" charset="0"/>
+                <a:cs typeface="Times New Roman" panose="02020603050405020304" pitchFamily="18" charset="0"/>
+              </a:rPr>
+              <a:t>Série </a:t>
+            </a:r>
+            <a:r>
+              <a:rPr lang="pt-BR" dirty="0" smtClean="0">
+                <a:latin typeface="Times New Roman" panose="02020603050405020304" pitchFamily="18" charset="0"/>
+                <a:cs typeface="Times New Roman" panose="02020603050405020304" pitchFamily="18" charset="0"/>
+              </a:rPr>
+              <a:t>original</a:t>
+            </a:r>
+            <a:endParaRPr lang="pt-BR" dirty="0" smtClean="0">
+              <a:latin typeface="Times New Roman" panose="02020603050405020304" pitchFamily="18" charset="0"/>
+              <a:cs typeface="Times New Roman" panose="02020603050405020304" pitchFamily="18" charset="0"/>
+            </a:endParaRPr>
           </a:p>
           <a:p>
             <a:endParaRPr lang="pt-BR" dirty="0"/>
+          </a:p>
+          <a:p>
+            <a:r>
+              <a:rPr lang="pt-BR" dirty="0"/>
+              <a:t> </a:t>
+            </a:r>
+            <a:r>
+              <a:rPr lang="pt-BR" dirty="0" smtClean="0"/>
+              <a:t>     </a:t>
+            </a:r>
+          </a:p>
+          <a:p>
+            <a:endParaRPr lang="pt-BR" dirty="0"/>
+          </a:p>
+          <a:p>
+            <a:endParaRPr lang="pt-BR" dirty="0" smtClean="0"/>
+          </a:p>
+          <a:p>
+            <a:endParaRPr lang="pt-BR" dirty="0"/>
+          </a:p>
+          <a:p>
+            <a:endParaRPr lang="pt-BR" dirty="0" smtClean="0"/>
+          </a:p>
+          <a:p>
+            <a:endParaRPr lang="pt-BR" dirty="0"/>
+          </a:p>
+          <a:p>
+            <a:endParaRPr lang="pt-BR" dirty="0" smtClean="0"/>
+          </a:p>
+          <a:p>
+            <a:endParaRPr lang="pt-BR" dirty="0" smtClean="0"/>
           </a:p>
           <a:p>
             <a:endParaRPr lang="pt-BR" dirty="0"/>
@@ -3404,6 +3428,427 @@
           </a:p>
         </p:txBody>
       </p:sp>
+      <p:sp>
+        <p:nvSpPr>
+          <p:cNvPr id="19" name="CaixaDeTexto 18"/>
+          <p:cNvSpPr txBox="1"/>
+          <p:nvPr/>
+        </p:nvSpPr>
+        <p:spPr>
+          <a:xfrm>
+            <a:off x="1615038" y="5657671"/>
+            <a:ext cx="6163801" cy="1200329"/>
+          </a:xfrm>
+          <a:prstGeom prst="rect">
+            <a:avLst/>
+          </a:prstGeom>
+          <a:noFill/>
+        </p:spPr>
+        <p:txBody>
+          <a:bodyPr wrap="square" rtlCol="0">
+            <a:spAutoFit/>
+          </a:bodyPr>
+          <a:lstStyle/>
+          <a:p>
+            <a:r>
+              <a:rPr lang="pt-BR" dirty="0"/>
+              <a:t>Para o teste de </a:t>
+            </a:r>
+            <a:r>
+              <a:rPr lang="pt-BR" dirty="0" err="1"/>
+              <a:t>raíz</a:t>
+            </a:r>
+            <a:r>
+              <a:rPr lang="pt-BR" dirty="0"/>
+              <a:t> unitária sazonal, conclui-se que existe uma </a:t>
+            </a:r>
+            <a:r>
+              <a:rPr lang="pt-BR" dirty="0" err="1"/>
+              <a:t>raíz</a:t>
+            </a:r>
+            <a:r>
+              <a:rPr lang="pt-BR" dirty="0"/>
+              <a:t> unitária não sazonal.</a:t>
+            </a:r>
+            <a:r>
+              <a:rPr lang="pt-BR" dirty="0"/>
+              <a:t> </a:t>
+            </a:r>
+            <a:br>
+              <a:rPr lang="pt-BR" dirty="0"/>
+            </a:br>
+            <a:r>
+              <a:rPr lang="pt-BR" dirty="0"/>
+              <a:t/>
+            </a:r>
+            <a:br>
+              <a:rPr lang="pt-BR" dirty="0"/>
+            </a:br>
+            <a:endParaRPr lang="pt-BR" dirty="0"/>
+          </a:p>
+        </p:txBody>
+      </p:sp>
+      <p:pic>
+        <p:nvPicPr>
+          <p:cNvPr id="12" name="Imagem 11"/>
+          <p:cNvPicPr>
+            <a:picLocks noChangeAspect="1"/>
+          </p:cNvPicPr>
+          <p:nvPr/>
+        </p:nvPicPr>
+        <p:blipFill>
+          <a:blip r:embed="rId4"/>
+          <a:stretch>
+            <a:fillRect/>
+          </a:stretch>
+        </p:blipFill>
+        <p:spPr>
+          <a:xfrm>
+            <a:off x="6332448" y="1763555"/>
+            <a:ext cx="4028801" cy="3509324"/>
+          </a:xfrm>
+          <a:prstGeom prst="rect">
+            <a:avLst/>
+          </a:prstGeom>
+        </p:spPr>
+      </p:pic>
+      <p:pic>
+        <p:nvPicPr>
+          <p:cNvPr id="3" name="Imagem 2"/>
+          <p:cNvPicPr>
+            <a:picLocks noChangeAspect="1"/>
+          </p:cNvPicPr>
+          <p:nvPr/>
+        </p:nvPicPr>
+        <p:blipFill>
+          <a:blip r:embed="rId5"/>
+          <a:stretch>
+            <a:fillRect/>
+          </a:stretch>
+        </p:blipFill>
+        <p:spPr>
+          <a:xfrm>
+            <a:off x="1578886" y="1589038"/>
+            <a:ext cx="4384031" cy="4068633"/>
+          </a:xfrm>
+          <a:prstGeom prst="rect">
+            <a:avLst/>
+          </a:prstGeom>
+        </p:spPr>
+      </p:pic>
+    </p:spTree>
+    <p:extLst>
+      <p:ext uri="{BB962C8B-B14F-4D97-AF65-F5344CB8AC3E}">
+        <p14:creationId xmlns:p14="http://schemas.microsoft.com/office/powerpoint/2010/main" val="3922587493"/>
+      </p:ext>
+    </p:extLst>
+  </p:cSld>
+  <p:clrMapOvr>
+    <a:masterClrMapping/>
+  </p:clrMapOvr>
+  <p:timing>
+    <p:tnLst>
+      <p:par>
+        <p:cTn id="1" dur="indefinite" restart="never" nodeType="tmRoot"/>
+      </p:par>
+    </p:tnLst>
+  </p:timing>
+</p:sld>
+</file>
+
+<file path=ppt/slides/slide2.xml><?xml version="1.0" encoding="utf-8"?>
+<p:sld xmlns:a="http://schemas.openxmlformats.org/drawingml/2006/main" xmlns:r="http://schemas.openxmlformats.org/officeDocument/2006/relationships" xmlns:p="http://schemas.openxmlformats.org/presentationml/2006/main">
+  <p:cSld>
+    <p:spTree>
+      <p:nvGrpSpPr>
+        <p:cNvPr id="1" name=""/>
+        <p:cNvGrpSpPr/>
+        <p:nvPr/>
+      </p:nvGrpSpPr>
+      <p:grpSpPr>
+        <a:xfrm>
+          <a:off x="0" y="0"/>
+          <a:ext cx="0" cy="0"/>
+          <a:chOff x="0" y="0"/>
+          <a:chExt cx="0" cy="0"/>
+        </a:xfrm>
+      </p:grpSpPr>
+      <p:sp>
+        <p:nvSpPr>
+          <p:cNvPr id="7" name="Título 6"/>
+          <p:cNvSpPr>
+            <a:spLocks noGrp="1"/>
+          </p:cNvSpPr>
+          <p:nvPr>
+            <p:ph type="ctrTitle"/>
+          </p:nvPr>
+        </p:nvSpPr>
+        <p:spPr>
+          <a:xfrm>
+            <a:off x="0" y="954223"/>
+            <a:ext cx="10307392" cy="835226"/>
+          </a:xfrm>
+        </p:spPr>
+        <p:txBody>
+          <a:bodyPr>
+            <a:normAutofit/>
+          </a:bodyPr>
+          <a:lstStyle/>
+          <a:p>
+            <a:pPr algn="l"/>
+            <a:r>
+              <a:rPr lang="pt-BR" sz="4000" dirty="0" smtClean="0">
+                <a:latin typeface="Times New Roman" panose="02020603050405020304" pitchFamily="18" charset="0"/>
+                <a:cs typeface="Times New Roman" panose="02020603050405020304" pitchFamily="18" charset="0"/>
+              </a:rPr>
+              <a:t>Série temporal utilizada</a:t>
+            </a:r>
+            <a:endParaRPr lang="pt-BR" sz="4000" dirty="0">
+              <a:latin typeface="Times New Roman" panose="02020603050405020304" pitchFamily="18" charset="0"/>
+              <a:cs typeface="Times New Roman" panose="02020603050405020304" pitchFamily="18" charset="0"/>
+            </a:endParaRPr>
+          </a:p>
+        </p:txBody>
+      </p:sp>
+      <p:sp>
+        <p:nvSpPr>
+          <p:cNvPr id="8" name="Subtítulo 7"/>
+          <p:cNvSpPr>
+            <a:spLocks noGrp="1"/>
+          </p:cNvSpPr>
+          <p:nvPr>
+            <p:ph type="subTitle" idx="1"/>
+          </p:nvPr>
+        </p:nvSpPr>
+        <p:spPr>
+          <a:xfrm>
+            <a:off x="360608" y="1789449"/>
+            <a:ext cx="10818254" cy="4651146"/>
+          </a:xfrm>
+        </p:spPr>
+        <p:txBody>
+          <a:bodyPr/>
+          <a:lstStyle/>
+          <a:p>
+            <a:r>
+              <a:rPr lang="pt-BR" sz="1800" dirty="0">
+                <a:latin typeface="Times New Roman" panose="02020603050405020304" pitchFamily="18" charset="0"/>
+                <a:cs typeface="Times New Roman" panose="02020603050405020304" pitchFamily="18" charset="0"/>
+              </a:rPr>
+              <a:t>Nesta atividade foi utilizada uma série com o índice de </a:t>
+            </a:r>
+            <a:r>
+              <a:rPr lang="pt-BR" sz="1800" dirty="0" smtClean="0">
+                <a:latin typeface="Times New Roman" panose="02020603050405020304" pitchFamily="18" charset="0"/>
+                <a:cs typeface="Times New Roman" panose="02020603050405020304" pitchFamily="18" charset="0"/>
+              </a:rPr>
+              <a:t>produção da </a:t>
+            </a:r>
+            <a:r>
+              <a:rPr lang="pt-BR" sz="1800" dirty="0">
+                <a:latin typeface="Times New Roman" panose="02020603050405020304" pitchFamily="18" charset="0"/>
+                <a:cs typeface="Times New Roman" panose="02020603050405020304" pitchFamily="18" charset="0"/>
+              </a:rPr>
+              <a:t>indústria de transformação </a:t>
+            </a:r>
+            <a:r>
+              <a:rPr lang="pt-BR" sz="1800" dirty="0" err="1">
+                <a:latin typeface="Times New Roman" panose="02020603050405020304" pitchFamily="18" charset="0"/>
+                <a:cs typeface="Times New Roman" panose="02020603050405020304" pitchFamily="18" charset="0"/>
+              </a:rPr>
+              <a:t>brasiliera</a:t>
+            </a:r>
+            <a:r>
+              <a:rPr lang="pt-BR" sz="1800" dirty="0">
+                <a:latin typeface="Times New Roman" panose="02020603050405020304" pitchFamily="18" charset="0"/>
+                <a:cs typeface="Times New Roman" panose="02020603050405020304" pitchFamily="18" charset="0"/>
+              </a:rPr>
+              <a:t> </a:t>
+            </a:r>
+            <a:r>
+              <a:rPr lang="pt-BR" sz="1800" dirty="0" smtClean="0">
+                <a:latin typeface="Times New Roman" panose="02020603050405020304" pitchFamily="18" charset="0"/>
+                <a:cs typeface="Times New Roman" panose="02020603050405020304" pitchFamily="18" charset="0"/>
+              </a:rPr>
+              <a:t>com ajuste </a:t>
+            </a:r>
+            <a:r>
+              <a:rPr lang="pt-BR" sz="1800" dirty="0">
+                <a:latin typeface="Times New Roman" panose="02020603050405020304" pitchFamily="18" charset="0"/>
+                <a:cs typeface="Times New Roman" panose="02020603050405020304" pitchFamily="18" charset="0"/>
+              </a:rPr>
+              <a:t>sazonal. </a:t>
+            </a:r>
+            <a:r>
+              <a:rPr lang="pt-BR" sz="1800" dirty="0" smtClean="0">
+                <a:latin typeface="Times New Roman" panose="02020603050405020304" pitchFamily="18" charset="0"/>
+                <a:cs typeface="Times New Roman" panose="02020603050405020304" pitchFamily="18" charset="0"/>
+              </a:rPr>
+              <a:t>O período </a:t>
+            </a:r>
+            <a:r>
+              <a:rPr lang="pt-BR" sz="1800" dirty="0">
+                <a:latin typeface="Times New Roman" panose="02020603050405020304" pitchFamily="18" charset="0"/>
+                <a:cs typeface="Times New Roman" panose="02020603050405020304" pitchFamily="18" charset="0"/>
+              </a:rPr>
+              <a:t>é referente a Jan/02 a Jan/23. </a:t>
+            </a:r>
+            <a:r>
+              <a:rPr lang="pt-BR" dirty="0"/>
+              <a:t/>
+            </a:r>
+            <a:br>
+              <a:rPr lang="pt-BR" dirty="0"/>
+            </a:br>
+            <a:endParaRPr lang="pt-BR" dirty="0"/>
+          </a:p>
+          <a:p>
+            <a:endParaRPr lang="pt-BR" dirty="0"/>
+          </a:p>
+        </p:txBody>
+      </p:sp>
+      <p:pic>
+        <p:nvPicPr>
+          <p:cNvPr id="4" name="Imagem 3"/>
+          <p:cNvPicPr>
+            <a:picLocks noChangeAspect="1"/>
+          </p:cNvPicPr>
+          <p:nvPr/>
+        </p:nvPicPr>
+        <p:blipFill>
+          <a:blip r:embed="rId2">
+            <a:extLst>
+              <a:ext uri="{28A0092B-C50C-407E-A947-70E740481C1C}">
+                <a14:useLocalDpi xmlns:a14="http://schemas.microsoft.com/office/drawing/2010/main" val="0"/>
+              </a:ext>
+            </a:extLst>
+          </a:blip>
+          <a:stretch>
+            <a:fillRect/>
+          </a:stretch>
+        </p:blipFill>
+        <p:spPr>
+          <a:xfrm>
+            <a:off x="360608" y="5257800"/>
+            <a:ext cx="1056067" cy="1182795"/>
+          </a:xfrm>
+          <a:prstGeom prst="rect">
+            <a:avLst/>
+          </a:prstGeom>
+        </p:spPr>
+      </p:pic>
+      <p:pic>
+        <p:nvPicPr>
+          <p:cNvPr id="5" name="Imagem 4"/>
+          <p:cNvPicPr>
+            <a:picLocks noChangeAspect="1"/>
+          </p:cNvPicPr>
+          <p:nvPr/>
+        </p:nvPicPr>
+        <p:blipFill>
+          <a:blip r:embed="rId3" cstate="print">
+            <a:extLst>
+              <a:ext uri="{28A0092B-C50C-407E-A947-70E740481C1C}">
+                <a14:useLocalDpi xmlns:a14="http://schemas.microsoft.com/office/drawing/2010/main" val="0"/>
+              </a:ext>
+            </a:extLst>
+          </a:blip>
+          <a:stretch>
+            <a:fillRect/>
+          </a:stretch>
+        </p:blipFill>
+        <p:spPr>
+          <a:xfrm>
+            <a:off x="10509161" y="5460642"/>
+            <a:ext cx="1210377" cy="979953"/>
+          </a:xfrm>
+          <a:prstGeom prst="rect">
+            <a:avLst/>
+          </a:prstGeom>
+        </p:spPr>
+      </p:pic>
+      <p:sp>
+        <p:nvSpPr>
+          <p:cNvPr id="6" name="Retângulo 5"/>
+          <p:cNvSpPr/>
+          <p:nvPr/>
+        </p:nvSpPr>
+        <p:spPr>
+          <a:xfrm>
+            <a:off x="0" y="0"/>
+            <a:ext cx="12192000" cy="965915"/>
+          </a:xfrm>
+          <a:prstGeom prst="rect">
+            <a:avLst/>
+          </a:prstGeom>
+          <a:solidFill>
+            <a:srgbClr val="25617F"/>
+          </a:solidFill>
+        </p:spPr>
+        <p:style>
+          <a:lnRef idx="2">
+            <a:schemeClr val="accent1">
+              <a:shade val="50000"/>
+            </a:schemeClr>
+          </a:lnRef>
+          <a:fillRef idx="1">
+            <a:schemeClr val="accent1"/>
+          </a:fillRef>
+          <a:effectRef idx="0">
+            <a:schemeClr val="accent1"/>
+          </a:effectRef>
+          <a:fontRef idx="minor">
+            <a:schemeClr val="lt1"/>
+          </a:fontRef>
+        </p:style>
+        <p:txBody>
+          <a:bodyPr rtlCol="0" anchor="ctr"/>
+          <a:lstStyle/>
+          <a:p>
+            <a:pPr algn="ctr"/>
+            <a:endParaRPr lang="pt-BR"/>
+          </a:p>
+        </p:txBody>
+      </p:sp>
+      <p:sp>
+        <p:nvSpPr>
+          <p:cNvPr id="2" name="AutoShape 2" descr="http://127.0.0.1:17702/chunk_output/s/CA083933/cbq0dpacqg04z/000003.png"/>
+          <p:cNvSpPr>
+            <a:spLocks noChangeAspect="1" noChangeArrowheads="1"/>
+          </p:cNvSpPr>
+          <p:nvPr/>
+        </p:nvSpPr>
+        <p:spPr bwMode="auto">
+          <a:xfrm>
+            <a:off x="63500" y="-136525"/>
+            <a:ext cx="304800" cy="304800"/>
+          </a:xfrm>
+          <a:prstGeom prst="rect">
+            <a:avLst/>
+          </a:prstGeom>
+          <a:noFill/>
+          <a:extLst>
+            <a:ext uri="{909E8E84-426E-40DD-AFC4-6F175D3DCCD1}">
+              <a14:hiddenFill xmlns:a14="http://schemas.microsoft.com/office/drawing/2010/main">
+                <a:solidFill>
+                  <a:srgbClr val="FFFFFF"/>
+                </a:solidFill>
+              </a14:hiddenFill>
+            </a:ext>
+          </a:extLst>
+        </p:spPr>
+        <p:txBody>
+          <a:bodyPr vert="horz" wrap="square" lIns="91440" tIns="45720" rIns="91440" bIns="45720" numCol="1" anchor="t" anchorCtr="0" compatLnSpc="1">
+            <a:prstTxWarp prst="textNoShape">
+              <a:avLst/>
+            </a:prstTxWarp>
+          </a:bodyPr>
+          <a:lstStyle/>
+          <a:p>
+            <a:endParaRPr lang="pt-BR"/>
+          </a:p>
+        </p:txBody>
+      </p:sp>
       <p:pic>
         <p:nvPicPr>
           <p:cNvPr id="10" name="Imagem 9"/>
@@ -3426,7 +3871,7 @@
         </p:blipFill>
         <p:spPr>
           <a:xfrm>
-            <a:off x="1416675" y="2236512"/>
+            <a:off x="1416675" y="2458078"/>
             <a:ext cx="4971246" cy="3021288"/>
           </a:xfrm>
           <a:prstGeom prst="rect">
@@ -3456,7 +3901,7 @@
         </p:blipFill>
         <p:spPr>
           <a:xfrm>
-            <a:off x="6151809" y="2257766"/>
+            <a:off x="6293476" y="2458078"/>
             <a:ext cx="5189846" cy="2893783"/>
           </a:xfrm>
           <a:prstGeom prst="rect">
@@ -3937,19 +4382,48 @@
           <a:bodyPr/>
           <a:lstStyle/>
           <a:p>
+            <a:pPr algn="l"/>
+            <a:r>
+              <a:rPr lang="pt-BR" dirty="0" err="1" smtClean="0">
+                <a:latin typeface="Times New Roman" panose="02020603050405020304" pitchFamily="18" charset="0"/>
+                <a:cs typeface="Times New Roman" panose="02020603050405020304" pitchFamily="18" charset="0"/>
+              </a:rPr>
+              <a:t>Dickey</a:t>
+            </a:r>
             <a:r>
               <a:rPr lang="pt-BR" dirty="0" smtClean="0">
                 <a:latin typeface="Times New Roman" panose="02020603050405020304" pitchFamily="18" charset="0"/>
                 <a:cs typeface="Times New Roman" panose="02020603050405020304" pitchFamily="18" charset="0"/>
               </a:rPr>
-              <a:t>Índice da indústria de transformação brasileira:  2002-2023</a:t>
+              <a:t> </a:t>
+            </a:r>
+            <a:r>
+              <a:rPr lang="pt-BR" dirty="0" err="1" smtClean="0">
+                <a:latin typeface="Times New Roman" panose="02020603050405020304" pitchFamily="18" charset="0"/>
+                <a:cs typeface="Times New Roman" panose="02020603050405020304" pitchFamily="18" charset="0"/>
+              </a:rPr>
+              <a:t>Fuller</a:t>
+            </a:r>
+            <a:r>
+              <a:rPr lang="pt-BR" dirty="0" smtClean="0">
+                <a:latin typeface="Times New Roman" panose="02020603050405020304" pitchFamily="18" charset="0"/>
+                <a:cs typeface="Times New Roman" panose="02020603050405020304" pitchFamily="18" charset="0"/>
+              </a:rPr>
+              <a:t> Aumentado – Série dessazonalizada</a:t>
             </a:r>
           </a:p>
           <a:p>
             <a:endParaRPr lang="pt-BR" dirty="0"/>
           </a:p>
           <a:p>
-            <a:endParaRPr lang="pt-BR" dirty="0" smtClean="0"/>
+            <a:r>
+              <a:rPr lang="pt-BR" dirty="0"/>
+              <a:t> </a:t>
+            </a:r>
+            <a:r>
+              <a:rPr lang="pt-BR" dirty="0" smtClean="0"/>
+              <a:t>     </a:t>
+            </a:r>
           </a:p>
           <a:p>
             <a:endParaRPr lang="pt-BR" dirty="0"/>
@@ -4119,16 +4593,246 @@
           </a:p>
         </p:txBody>
       </p:sp>
+      <p:sp>
+        <p:nvSpPr>
+          <p:cNvPr id="19" name="CaixaDeTexto 18"/>
+          <p:cNvSpPr txBox="1"/>
+          <p:nvPr/>
+        </p:nvSpPr>
+        <p:spPr>
+          <a:xfrm>
+            <a:off x="6250890" y="3323224"/>
+            <a:ext cx="4518992" cy="2031325"/>
+          </a:xfrm>
+          <a:prstGeom prst="rect">
+            <a:avLst/>
+          </a:prstGeom>
+          <a:noFill/>
+        </p:spPr>
+        <p:txBody>
+          <a:bodyPr wrap="square" rtlCol="0">
+            <a:spAutoFit/>
+          </a:bodyPr>
+          <a:lstStyle/>
+          <a:p>
+            <a:r>
+              <a:rPr lang="pt-BR" dirty="0"/>
+              <a:t>Para a série diferenciada uma vez L(1), nota-se que o teste de estatística T está a esquerda de tau1 5</a:t>
+            </a:r>
+            <a:r>
+              <a:rPr lang="pt-BR" dirty="0" smtClean="0"/>
+              <a:t>%, assim </a:t>
+            </a:r>
+            <a:r>
+              <a:rPr lang="pt-BR" dirty="0"/>
+              <a:t>rejeita-se a hipótese nula, logo a série diferenciada uma vez não possui </a:t>
+            </a:r>
+            <a:r>
+              <a:rPr lang="pt-BR" dirty="0" err="1"/>
+              <a:t>raíz</a:t>
+            </a:r>
+            <a:r>
+              <a:rPr lang="pt-BR" dirty="0"/>
+              <a:t> unitária e é estacionária. </a:t>
+            </a:r>
+            <a:br>
+              <a:rPr lang="pt-BR" dirty="0"/>
+            </a:br>
+            <a:r>
+              <a:rPr lang="pt-BR" dirty="0"/>
+              <a:t/>
+            </a:r>
+            <a:br>
+              <a:rPr lang="pt-BR" dirty="0"/>
+            </a:br>
+            <a:endParaRPr lang="pt-BR" dirty="0"/>
+          </a:p>
+        </p:txBody>
+      </p:sp>
       <p:pic>
         <p:nvPicPr>
-          <p:cNvPr id="9" name="Imagem 8"/>
+          <p:cNvPr id="22" name="Imagem 21"/>
           <p:cNvPicPr>
             <a:picLocks noChangeAspect="1"/>
           </p:cNvPicPr>
           <p:nvPr/>
         </p:nvPicPr>
         <p:blipFill>
-          <a:blip r:embed="rId4">
+          <a:blip r:embed="rId4"/>
+          <a:stretch>
+            <a:fillRect/>
+          </a:stretch>
+        </p:blipFill>
+        <p:spPr>
+          <a:xfrm>
+            <a:off x="6456884" y="2650215"/>
+            <a:ext cx="3734321" cy="381053"/>
+          </a:xfrm>
+          <a:prstGeom prst="rect">
+            <a:avLst/>
+          </a:prstGeom>
+        </p:spPr>
+      </p:pic>
+      <p:pic>
+        <p:nvPicPr>
+          <p:cNvPr id="23" name="Imagem 22"/>
+          <p:cNvPicPr>
+            <a:picLocks noChangeAspect="1"/>
+          </p:cNvPicPr>
+          <p:nvPr/>
+        </p:nvPicPr>
+        <p:blipFill>
+          <a:blip r:embed="rId5"/>
+          <a:stretch>
+            <a:fillRect/>
+          </a:stretch>
+        </p:blipFill>
+        <p:spPr>
+          <a:xfrm>
+            <a:off x="1727348" y="1624056"/>
+            <a:ext cx="4421659" cy="4922697"/>
+          </a:xfrm>
+          <a:prstGeom prst="rect">
+            <a:avLst/>
+          </a:prstGeom>
+        </p:spPr>
+      </p:pic>
+    </p:spTree>
+    <p:extLst>
+      <p:ext uri="{BB962C8B-B14F-4D97-AF65-F5344CB8AC3E}">
+        <p14:creationId xmlns:p14="http://schemas.microsoft.com/office/powerpoint/2010/main" val="3548137775"/>
+      </p:ext>
+    </p:extLst>
+  </p:cSld>
+  <p:clrMapOvr>
+    <a:masterClrMapping/>
+  </p:clrMapOvr>
+  <p:timing>
+    <p:tnLst>
+      <p:par>
+        <p:cTn id="1" dur="indefinite" restart="never" nodeType="tmRoot"/>
+      </p:par>
+    </p:tnLst>
+  </p:timing>
+</p:sld>
+</file>
+
+<file path=ppt/slides/slide5.xml><?xml version="1.0" encoding="utf-8"?>
+<p:sld xmlns:a="http://schemas.openxmlformats.org/drawingml/2006/main" xmlns:r="http://schemas.openxmlformats.org/officeDocument/2006/relationships" xmlns:p="http://schemas.openxmlformats.org/presentationml/2006/main">
+  <p:cSld>
+    <p:spTree>
+      <p:nvGrpSpPr>
+        <p:cNvPr id="1" name=""/>
+        <p:cNvGrpSpPr/>
+        <p:nvPr/>
+      </p:nvGrpSpPr>
+      <p:grpSpPr>
+        <a:xfrm>
+          <a:off x="0" y="0"/>
+          <a:ext cx="0" cy="0"/>
+          <a:chOff x="0" y="0"/>
+          <a:chExt cx="0" cy="0"/>
+        </a:xfrm>
+      </p:grpSpPr>
+      <p:sp>
+        <p:nvSpPr>
+          <p:cNvPr id="8" name="Subtítulo 7"/>
+          <p:cNvSpPr>
+            <a:spLocks noGrp="1"/>
+          </p:cNvSpPr>
+          <p:nvPr>
+            <p:ph type="subTitle" idx="1"/>
+          </p:nvPr>
+        </p:nvSpPr>
+        <p:spPr>
+          <a:xfrm>
+            <a:off x="360608" y="965915"/>
+            <a:ext cx="10307392" cy="5474680"/>
+          </a:xfrm>
+        </p:spPr>
+        <p:txBody>
+          <a:bodyPr/>
+          <a:lstStyle/>
+          <a:p>
+            <a:pPr algn="l"/>
+            <a:r>
+              <a:rPr lang="pt-BR" dirty="0" err="1" smtClean="0">
+                <a:latin typeface="Times New Roman" panose="02020603050405020304" pitchFamily="18" charset="0"/>
+                <a:cs typeface="Times New Roman" panose="02020603050405020304" pitchFamily="18" charset="0"/>
+              </a:rPr>
+              <a:t>Dickey</a:t>
+            </a:r>
+            <a:r>
+              <a:rPr lang="pt-BR" dirty="0" smtClean="0">
+                <a:latin typeface="Times New Roman" panose="02020603050405020304" pitchFamily="18" charset="0"/>
+                <a:cs typeface="Times New Roman" panose="02020603050405020304" pitchFamily="18" charset="0"/>
+              </a:rPr>
+              <a:t> </a:t>
+            </a:r>
+            <a:r>
+              <a:rPr lang="pt-BR" dirty="0" err="1" smtClean="0">
+                <a:latin typeface="Times New Roman" panose="02020603050405020304" pitchFamily="18" charset="0"/>
+                <a:cs typeface="Times New Roman" panose="02020603050405020304" pitchFamily="18" charset="0"/>
+              </a:rPr>
+              <a:t>Fuller</a:t>
+            </a:r>
+            <a:r>
+              <a:rPr lang="pt-BR" dirty="0" smtClean="0">
+                <a:latin typeface="Times New Roman" panose="02020603050405020304" pitchFamily="18" charset="0"/>
+                <a:cs typeface="Times New Roman" panose="02020603050405020304" pitchFamily="18" charset="0"/>
+              </a:rPr>
+              <a:t> Aumentado – Série diferenciada (1)</a:t>
+            </a:r>
+          </a:p>
+          <a:p>
+            <a:endParaRPr lang="pt-BR" dirty="0"/>
+          </a:p>
+          <a:p>
+            <a:r>
+              <a:rPr lang="pt-BR" dirty="0"/>
+              <a:t> </a:t>
+            </a:r>
+            <a:r>
+              <a:rPr lang="pt-BR" dirty="0" smtClean="0"/>
+              <a:t>     </a:t>
+            </a:r>
+          </a:p>
+          <a:p>
+            <a:endParaRPr lang="pt-BR" dirty="0"/>
+          </a:p>
+          <a:p>
+            <a:endParaRPr lang="pt-BR" dirty="0" smtClean="0"/>
+          </a:p>
+          <a:p>
+            <a:endParaRPr lang="pt-BR" dirty="0"/>
+          </a:p>
+          <a:p>
+            <a:endParaRPr lang="pt-BR" dirty="0" smtClean="0"/>
+          </a:p>
+          <a:p>
+            <a:endParaRPr lang="pt-BR" dirty="0"/>
+          </a:p>
+          <a:p>
+            <a:endParaRPr lang="pt-BR" dirty="0" smtClean="0"/>
+          </a:p>
+          <a:p>
+            <a:endParaRPr lang="pt-BR" dirty="0" smtClean="0"/>
+          </a:p>
+          <a:p>
+            <a:endParaRPr lang="pt-BR" dirty="0"/>
+          </a:p>
+        </p:txBody>
+      </p:sp>
+      <p:pic>
+        <p:nvPicPr>
+          <p:cNvPr id="4" name="Imagem 3"/>
+          <p:cNvPicPr>
+            <a:picLocks noChangeAspect="1"/>
+          </p:cNvPicPr>
+          <p:nvPr/>
+        </p:nvPicPr>
+        <p:blipFill>
+          <a:blip r:embed="rId2">
             <a:extLst>
               <a:ext uri="{28A0092B-C50C-407E-A947-70E740481C1C}">
                 <a14:useLocalDpi xmlns:a14="http://schemas.microsoft.com/office/drawing/2010/main" val="0"/>
@@ -4141,8 +4845,1384 @@
         </p:blipFill>
         <p:spPr>
           <a:xfrm>
-            <a:off x="215900" y="1444516"/>
-            <a:ext cx="6178934" cy="3813284"/>
+            <a:off x="360608" y="5257800"/>
+            <a:ext cx="1056067" cy="1182795"/>
+          </a:xfrm>
+          <a:prstGeom prst="rect">
+            <a:avLst/>
+          </a:prstGeom>
+        </p:spPr>
+      </p:pic>
+      <p:pic>
+        <p:nvPicPr>
+          <p:cNvPr id="5" name="Imagem 4"/>
+          <p:cNvPicPr>
+            <a:picLocks noChangeAspect="1"/>
+          </p:cNvPicPr>
+          <p:nvPr/>
+        </p:nvPicPr>
+        <p:blipFill>
+          <a:blip r:embed="rId3" cstate="print">
+            <a:extLst>
+              <a:ext uri="{28A0092B-C50C-407E-A947-70E740481C1C}">
+                <a14:useLocalDpi xmlns:a14="http://schemas.microsoft.com/office/drawing/2010/main" val="0"/>
+              </a:ext>
+            </a:extLst>
+          </a:blip>
+          <a:stretch>
+            <a:fillRect/>
+          </a:stretch>
+        </p:blipFill>
+        <p:spPr>
+          <a:xfrm>
+            <a:off x="10509161" y="5460642"/>
+            <a:ext cx="1210377" cy="979953"/>
+          </a:xfrm>
+          <a:prstGeom prst="rect">
+            <a:avLst/>
+          </a:prstGeom>
+        </p:spPr>
+      </p:pic>
+      <p:sp>
+        <p:nvSpPr>
+          <p:cNvPr id="6" name="Retângulo 5"/>
+          <p:cNvSpPr/>
+          <p:nvPr/>
+        </p:nvSpPr>
+        <p:spPr>
+          <a:xfrm>
+            <a:off x="0" y="0"/>
+            <a:ext cx="12192000" cy="965915"/>
+          </a:xfrm>
+          <a:prstGeom prst="rect">
+            <a:avLst/>
+          </a:prstGeom>
+          <a:solidFill>
+            <a:srgbClr val="25617F"/>
+          </a:solidFill>
+        </p:spPr>
+        <p:style>
+          <a:lnRef idx="2">
+            <a:schemeClr val="accent1">
+              <a:shade val="50000"/>
+            </a:schemeClr>
+          </a:lnRef>
+          <a:fillRef idx="1">
+            <a:schemeClr val="accent1"/>
+          </a:fillRef>
+          <a:effectRef idx="0">
+            <a:schemeClr val="accent1"/>
+          </a:effectRef>
+          <a:fontRef idx="minor">
+            <a:schemeClr val="lt1"/>
+          </a:fontRef>
+        </p:style>
+        <p:txBody>
+          <a:bodyPr rtlCol="0" anchor="ctr"/>
+          <a:lstStyle/>
+          <a:p>
+            <a:pPr algn="ctr"/>
+            <a:endParaRPr lang="pt-BR"/>
+          </a:p>
+        </p:txBody>
+      </p:sp>
+      <p:sp>
+        <p:nvSpPr>
+          <p:cNvPr id="2" name="AutoShape 2" descr="http://127.0.0.1:17702/chunk_output/s/CA083933/cbq0dpacqg04z/000003.png"/>
+          <p:cNvSpPr>
+            <a:spLocks noChangeAspect="1" noChangeArrowheads="1"/>
+          </p:cNvSpPr>
+          <p:nvPr/>
+        </p:nvSpPr>
+        <p:spPr bwMode="auto">
+          <a:xfrm>
+            <a:off x="63500" y="-136525"/>
+            <a:ext cx="304800" cy="304800"/>
+          </a:xfrm>
+          <a:prstGeom prst="rect">
+            <a:avLst/>
+          </a:prstGeom>
+          <a:noFill/>
+          <a:extLst>
+            <a:ext uri="{909E8E84-426E-40DD-AFC4-6F175D3DCCD1}">
+              <a14:hiddenFill xmlns:a14="http://schemas.microsoft.com/office/drawing/2010/main">
+                <a:solidFill>
+                  <a:srgbClr val="FFFFFF"/>
+                </a:solidFill>
+              </a14:hiddenFill>
+            </a:ext>
+          </a:extLst>
+        </p:spPr>
+        <p:txBody>
+          <a:bodyPr vert="horz" wrap="square" lIns="91440" tIns="45720" rIns="91440" bIns="45720" numCol="1" anchor="t" anchorCtr="0" compatLnSpc="1">
+            <a:prstTxWarp prst="textNoShape">
+              <a:avLst/>
+            </a:prstTxWarp>
+          </a:bodyPr>
+          <a:lstStyle/>
+          <a:p>
+            <a:endParaRPr lang="pt-BR"/>
+          </a:p>
+        </p:txBody>
+      </p:sp>
+      <p:sp>
+        <p:nvSpPr>
+          <p:cNvPr id="19" name="CaixaDeTexto 18"/>
+          <p:cNvSpPr txBox="1"/>
+          <p:nvPr/>
+        </p:nvSpPr>
+        <p:spPr>
+          <a:xfrm>
+            <a:off x="6250890" y="3323224"/>
+            <a:ext cx="4518992" cy="1477328"/>
+          </a:xfrm>
+          <a:prstGeom prst="rect">
+            <a:avLst/>
+          </a:prstGeom>
+          <a:noFill/>
+        </p:spPr>
+        <p:txBody>
+          <a:bodyPr wrap="square" rtlCol="0">
+            <a:spAutoFit/>
+          </a:bodyPr>
+          <a:lstStyle/>
+          <a:p>
+            <a:r>
+              <a:rPr lang="pt-BR" dirty="0"/>
+              <a:t>Aplicando o teste ADF e analisando </a:t>
+            </a:r>
+            <a:r>
+              <a:rPr lang="pt-BR" dirty="0" smtClean="0"/>
+              <a:t>o resultando </a:t>
+            </a:r>
+            <a:r>
+              <a:rPr lang="pt-BR" dirty="0"/>
+              <a:t>para a estatística T, tem-se que não pode-se rejeitar a </a:t>
+            </a:r>
+            <a:r>
+              <a:rPr lang="pt-BR" dirty="0" smtClean="0"/>
+              <a:t>H0, logo </a:t>
+            </a:r>
+            <a:r>
+              <a:rPr lang="pt-BR" dirty="0"/>
+              <a:t>a série possui </a:t>
+            </a:r>
+            <a:r>
+              <a:rPr lang="pt-BR" dirty="0" smtClean="0"/>
+              <a:t>pelo menos </a:t>
+            </a:r>
+            <a:r>
+              <a:rPr lang="pt-BR" dirty="0"/>
+              <a:t>uma </a:t>
+            </a:r>
+            <a:r>
+              <a:rPr lang="pt-BR" dirty="0" err="1"/>
+              <a:t>raíz</a:t>
+            </a:r>
+            <a:r>
+              <a:rPr lang="pt-BR" dirty="0"/>
+              <a:t> unitária. </a:t>
+            </a:r>
+            <a:br>
+              <a:rPr lang="pt-BR" dirty="0"/>
+            </a:br>
+            <a:endParaRPr lang="pt-BR" dirty="0"/>
+          </a:p>
+        </p:txBody>
+      </p:sp>
+      <p:pic>
+        <p:nvPicPr>
+          <p:cNvPr id="20" name="Imagem 19"/>
+          <p:cNvPicPr>
+            <a:picLocks noChangeAspect="1"/>
+          </p:cNvPicPr>
+          <p:nvPr/>
+        </p:nvPicPr>
+        <p:blipFill>
+          <a:blip r:embed="rId4"/>
+          <a:stretch>
+            <a:fillRect/>
+          </a:stretch>
+        </p:blipFill>
+        <p:spPr>
+          <a:xfrm>
+            <a:off x="5962917" y="2403106"/>
+            <a:ext cx="5640605" cy="520056"/>
+          </a:xfrm>
+          <a:prstGeom prst="rect">
+            <a:avLst/>
+          </a:prstGeom>
+        </p:spPr>
+      </p:pic>
+      <p:pic>
+        <p:nvPicPr>
+          <p:cNvPr id="3" name="Imagem 2"/>
+          <p:cNvPicPr>
+            <a:picLocks noChangeAspect="1"/>
+          </p:cNvPicPr>
+          <p:nvPr/>
+        </p:nvPicPr>
+        <p:blipFill>
+          <a:blip r:embed="rId5"/>
+          <a:stretch>
+            <a:fillRect/>
+          </a:stretch>
+        </p:blipFill>
+        <p:spPr>
+          <a:xfrm>
+            <a:off x="1227456" y="2403106"/>
+            <a:ext cx="4774400" cy="2546347"/>
+          </a:xfrm>
+          <a:prstGeom prst="rect">
+            <a:avLst/>
+          </a:prstGeom>
+        </p:spPr>
+      </p:pic>
+    </p:spTree>
+    <p:extLst>
+      <p:ext uri="{BB962C8B-B14F-4D97-AF65-F5344CB8AC3E}">
+        <p14:creationId xmlns:p14="http://schemas.microsoft.com/office/powerpoint/2010/main" val="2755259954"/>
+      </p:ext>
+    </p:extLst>
+  </p:cSld>
+  <p:clrMapOvr>
+    <a:masterClrMapping/>
+  </p:clrMapOvr>
+  <p:timing>
+    <p:tnLst>
+      <p:par>
+        <p:cTn id="1" dur="indefinite" restart="never" nodeType="tmRoot"/>
+      </p:par>
+    </p:tnLst>
+  </p:timing>
+</p:sld>
+</file>
+
+<file path=ppt/slides/slide6.xml><?xml version="1.0" encoding="utf-8"?>
+<p:sld xmlns:a="http://schemas.openxmlformats.org/drawingml/2006/main" xmlns:r="http://schemas.openxmlformats.org/officeDocument/2006/relationships" xmlns:p="http://schemas.openxmlformats.org/presentationml/2006/main">
+  <p:cSld>
+    <p:spTree>
+      <p:nvGrpSpPr>
+        <p:cNvPr id="1" name=""/>
+        <p:cNvGrpSpPr/>
+        <p:nvPr/>
+      </p:nvGrpSpPr>
+      <p:grpSpPr>
+        <a:xfrm>
+          <a:off x="0" y="0"/>
+          <a:ext cx="0" cy="0"/>
+          <a:chOff x="0" y="0"/>
+          <a:chExt cx="0" cy="0"/>
+        </a:xfrm>
+      </p:grpSpPr>
+      <p:sp>
+        <p:nvSpPr>
+          <p:cNvPr id="8" name="Subtítulo 7"/>
+          <p:cNvSpPr>
+            <a:spLocks noGrp="1"/>
+          </p:cNvSpPr>
+          <p:nvPr>
+            <p:ph type="subTitle" idx="1"/>
+          </p:nvPr>
+        </p:nvSpPr>
+        <p:spPr>
+          <a:xfrm>
+            <a:off x="360608" y="965915"/>
+            <a:ext cx="10307392" cy="5474680"/>
+          </a:xfrm>
+        </p:spPr>
+        <p:txBody>
+          <a:bodyPr/>
+          <a:lstStyle/>
+          <a:p>
+            <a:pPr algn="l"/>
+            <a:r>
+              <a:rPr lang="pt-BR" dirty="0" smtClean="0">
+                <a:latin typeface="Times New Roman" panose="02020603050405020304" pitchFamily="18" charset="0"/>
+                <a:cs typeface="Times New Roman" panose="02020603050405020304" pitchFamily="18" charset="0"/>
+              </a:rPr>
+              <a:t>Phillips-</a:t>
+            </a:r>
+            <a:r>
+              <a:rPr lang="pt-BR" dirty="0" err="1" smtClean="0">
+                <a:latin typeface="Times New Roman" panose="02020603050405020304" pitchFamily="18" charset="0"/>
+                <a:cs typeface="Times New Roman" panose="02020603050405020304" pitchFamily="18" charset="0"/>
+              </a:rPr>
+              <a:t>Perron</a:t>
+            </a:r>
+            <a:r>
+              <a:rPr lang="pt-BR" dirty="0" smtClean="0">
+                <a:latin typeface="Times New Roman" panose="02020603050405020304" pitchFamily="18" charset="0"/>
+                <a:cs typeface="Times New Roman" panose="02020603050405020304" pitchFamily="18" charset="0"/>
+              </a:rPr>
+              <a:t> – </a:t>
+            </a:r>
+            <a:r>
+              <a:rPr lang="pt-BR" dirty="0" smtClean="0">
+                <a:latin typeface="Times New Roman" panose="02020603050405020304" pitchFamily="18" charset="0"/>
+                <a:cs typeface="Times New Roman" panose="02020603050405020304" pitchFamily="18" charset="0"/>
+              </a:rPr>
+              <a:t>Série </a:t>
+            </a:r>
+            <a:r>
+              <a:rPr lang="pt-BR" dirty="0" smtClean="0">
+                <a:latin typeface="Times New Roman" panose="02020603050405020304" pitchFamily="18" charset="0"/>
+                <a:cs typeface="Times New Roman" panose="02020603050405020304" pitchFamily="18" charset="0"/>
+              </a:rPr>
+              <a:t>original</a:t>
+            </a:r>
+            <a:endParaRPr lang="pt-BR" dirty="0" smtClean="0">
+              <a:latin typeface="Times New Roman" panose="02020603050405020304" pitchFamily="18" charset="0"/>
+              <a:cs typeface="Times New Roman" panose="02020603050405020304" pitchFamily="18" charset="0"/>
+            </a:endParaRPr>
+          </a:p>
+          <a:p>
+            <a:endParaRPr lang="pt-BR" dirty="0"/>
+          </a:p>
+          <a:p>
+            <a:r>
+              <a:rPr lang="pt-BR" dirty="0"/>
+              <a:t> </a:t>
+            </a:r>
+            <a:r>
+              <a:rPr lang="pt-BR" dirty="0" smtClean="0"/>
+              <a:t>     </a:t>
+            </a:r>
+          </a:p>
+          <a:p>
+            <a:endParaRPr lang="pt-BR" dirty="0"/>
+          </a:p>
+          <a:p>
+            <a:endParaRPr lang="pt-BR" dirty="0" smtClean="0"/>
+          </a:p>
+          <a:p>
+            <a:endParaRPr lang="pt-BR" dirty="0"/>
+          </a:p>
+          <a:p>
+            <a:endParaRPr lang="pt-BR" dirty="0" smtClean="0"/>
+          </a:p>
+          <a:p>
+            <a:endParaRPr lang="pt-BR" dirty="0"/>
+          </a:p>
+          <a:p>
+            <a:endParaRPr lang="pt-BR" dirty="0" smtClean="0"/>
+          </a:p>
+          <a:p>
+            <a:endParaRPr lang="pt-BR" dirty="0" smtClean="0"/>
+          </a:p>
+          <a:p>
+            <a:endParaRPr lang="pt-BR" dirty="0"/>
+          </a:p>
+        </p:txBody>
+      </p:sp>
+      <p:pic>
+        <p:nvPicPr>
+          <p:cNvPr id="4" name="Imagem 3"/>
+          <p:cNvPicPr>
+            <a:picLocks noChangeAspect="1"/>
+          </p:cNvPicPr>
+          <p:nvPr/>
+        </p:nvPicPr>
+        <p:blipFill>
+          <a:blip r:embed="rId2">
+            <a:extLst>
+              <a:ext uri="{28A0092B-C50C-407E-A947-70E740481C1C}">
+                <a14:useLocalDpi xmlns:a14="http://schemas.microsoft.com/office/drawing/2010/main" val="0"/>
+              </a:ext>
+            </a:extLst>
+          </a:blip>
+          <a:stretch>
+            <a:fillRect/>
+          </a:stretch>
+        </p:blipFill>
+        <p:spPr>
+          <a:xfrm>
+            <a:off x="360608" y="5257800"/>
+            <a:ext cx="1056067" cy="1182795"/>
+          </a:xfrm>
+          <a:prstGeom prst="rect">
+            <a:avLst/>
+          </a:prstGeom>
+        </p:spPr>
+      </p:pic>
+      <p:pic>
+        <p:nvPicPr>
+          <p:cNvPr id="5" name="Imagem 4"/>
+          <p:cNvPicPr>
+            <a:picLocks noChangeAspect="1"/>
+          </p:cNvPicPr>
+          <p:nvPr/>
+        </p:nvPicPr>
+        <p:blipFill>
+          <a:blip r:embed="rId3" cstate="print">
+            <a:extLst>
+              <a:ext uri="{28A0092B-C50C-407E-A947-70E740481C1C}">
+                <a14:useLocalDpi xmlns:a14="http://schemas.microsoft.com/office/drawing/2010/main" val="0"/>
+              </a:ext>
+            </a:extLst>
+          </a:blip>
+          <a:stretch>
+            <a:fillRect/>
+          </a:stretch>
+        </p:blipFill>
+        <p:spPr>
+          <a:xfrm>
+            <a:off x="10509161" y="5460642"/>
+            <a:ext cx="1210377" cy="979953"/>
+          </a:xfrm>
+          <a:prstGeom prst="rect">
+            <a:avLst/>
+          </a:prstGeom>
+        </p:spPr>
+      </p:pic>
+      <p:sp>
+        <p:nvSpPr>
+          <p:cNvPr id="6" name="Retângulo 5"/>
+          <p:cNvSpPr/>
+          <p:nvPr/>
+        </p:nvSpPr>
+        <p:spPr>
+          <a:xfrm>
+            <a:off x="0" y="0"/>
+            <a:ext cx="12192000" cy="965915"/>
+          </a:xfrm>
+          <a:prstGeom prst="rect">
+            <a:avLst/>
+          </a:prstGeom>
+          <a:solidFill>
+            <a:srgbClr val="25617F"/>
+          </a:solidFill>
+        </p:spPr>
+        <p:style>
+          <a:lnRef idx="2">
+            <a:schemeClr val="accent1">
+              <a:shade val="50000"/>
+            </a:schemeClr>
+          </a:lnRef>
+          <a:fillRef idx="1">
+            <a:schemeClr val="accent1"/>
+          </a:fillRef>
+          <a:effectRef idx="0">
+            <a:schemeClr val="accent1"/>
+          </a:effectRef>
+          <a:fontRef idx="minor">
+            <a:schemeClr val="lt1"/>
+          </a:fontRef>
+        </p:style>
+        <p:txBody>
+          <a:bodyPr rtlCol="0" anchor="ctr"/>
+          <a:lstStyle/>
+          <a:p>
+            <a:pPr algn="ctr"/>
+            <a:endParaRPr lang="pt-BR"/>
+          </a:p>
+        </p:txBody>
+      </p:sp>
+      <p:sp>
+        <p:nvSpPr>
+          <p:cNvPr id="2" name="AutoShape 2" descr="http://127.0.0.1:17702/chunk_output/s/CA083933/cbq0dpacqg04z/000003.png"/>
+          <p:cNvSpPr>
+            <a:spLocks noChangeAspect="1" noChangeArrowheads="1"/>
+          </p:cNvSpPr>
+          <p:nvPr/>
+        </p:nvSpPr>
+        <p:spPr bwMode="auto">
+          <a:xfrm>
+            <a:off x="63500" y="-136525"/>
+            <a:ext cx="304800" cy="304800"/>
+          </a:xfrm>
+          <a:prstGeom prst="rect">
+            <a:avLst/>
+          </a:prstGeom>
+          <a:noFill/>
+          <a:extLst>
+            <a:ext uri="{909E8E84-426E-40DD-AFC4-6F175D3DCCD1}">
+              <a14:hiddenFill xmlns:a14="http://schemas.microsoft.com/office/drawing/2010/main">
+                <a:solidFill>
+                  <a:srgbClr val="FFFFFF"/>
+                </a:solidFill>
+              </a14:hiddenFill>
+            </a:ext>
+          </a:extLst>
+        </p:spPr>
+        <p:txBody>
+          <a:bodyPr vert="horz" wrap="square" lIns="91440" tIns="45720" rIns="91440" bIns="45720" numCol="1" anchor="t" anchorCtr="0" compatLnSpc="1">
+            <a:prstTxWarp prst="textNoShape">
+              <a:avLst/>
+            </a:prstTxWarp>
+          </a:bodyPr>
+          <a:lstStyle/>
+          <a:p>
+            <a:endParaRPr lang="pt-BR"/>
+          </a:p>
+        </p:txBody>
+      </p:sp>
+      <p:sp>
+        <p:nvSpPr>
+          <p:cNvPr id="19" name="CaixaDeTexto 18"/>
+          <p:cNvSpPr txBox="1"/>
+          <p:nvPr/>
+        </p:nvSpPr>
+        <p:spPr>
+          <a:xfrm>
+            <a:off x="6250890" y="3323224"/>
+            <a:ext cx="4518992" cy="2031325"/>
+          </a:xfrm>
+          <a:prstGeom prst="rect">
+            <a:avLst/>
+          </a:prstGeom>
+          <a:noFill/>
+        </p:spPr>
+        <p:txBody>
+          <a:bodyPr wrap="square" rtlCol="0">
+            <a:spAutoFit/>
+          </a:bodyPr>
+          <a:lstStyle/>
+          <a:p>
+            <a:r>
+              <a:rPr lang="pt-BR" b="1" dirty="0"/>
+              <a:t>Nota-se que pelo teste PP, a estatística Z não está dentro do intervalo de confiança menor que</a:t>
+            </a:r>
+            <a:br>
+              <a:rPr lang="pt-BR" b="1" dirty="0"/>
+            </a:br>
+            <a:r>
+              <a:rPr lang="pt-BR" b="1" dirty="0"/>
+              <a:t>5%. Assim, não rejeita-se a hipótese nula. A série possui raiz unitária e é não-estacionária.</a:t>
+            </a:r>
+            <a:r>
+              <a:rPr lang="pt-BR" dirty="0"/>
+              <a:t> </a:t>
+            </a:r>
+            <a:br>
+              <a:rPr lang="pt-BR" dirty="0"/>
+            </a:br>
+            <a:r>
+              <a:rPr lang="pt-BR" dirty="0"/>
+              <a:t/>
+            </a:r>
+            <a:br>
+              <a:rPr lang="pt-BR" dirty="0"/>
+            </a:br>
+            <a:endParaRPr lang="pt-BR" dirty="0"/>
+          </a:p>
+        </p:txBody>
+      </p:sp>
+      <p:pic>
+        <p:nvPicPr>
+          <p:cNvPr id="7" name="Imagem 6"/>
+          <p:cNvPicPr>
+            <a:picLocks noChangeAspect="1"/>
+          </p:cNvPicPr>
+          <p:nvPr/>
+        </p:nvPicPr>
+        <p:blipFill>
+          <a:blip r:embed="rId4"/>
+          <a:stretch>
+            <a:fillRect/>
+          </a:stretch>
+        </p:blipFill>
+        <p:spPr>
+          <a:xfrm>
+            <a:off x="1595059" y="1557492"/>
+            <a:ext cx="4058766" cy="4821401"/>
+          </a:xfrm>
+          <a:prstGeom prst="rect">
+            <a:avLst/>
+          </a:prstGeom>
+        </p:spPr>
+      </p:pic>
+      <p:pic>
+        <p:nvPicPr>
+          <p:cNvPr id="9" name="Imagem 8"/>
+          <p:cNvPicPr>
+            <a:picLocks noChangeAspect="1"/>
+          </p:cNvPicPr>
+          <p:nvPr/>
+        </p:nvPicPr>
+        <p:blipFill>
+          <a:blip r:embed="rId5"/>
+          <a:stretch>
+            <a:fillRect/>
+          </a:stretch>
+        </p:blipFill>
+        <p:spPr>
+          <a:xfrm>
+            <a:off x="6290318" y="2415355"/>
+            <a:ext cx="4479564" cy="531949"/>
+          </a:xfrm>
+          <a:prstGeom prst="rect">
+            <a:avLst/>
+          </a:prstGeom>
+        </p:spPr>
+      </p:pic>
+    </p:spTree>
+    <p:extLst>
+      <p:ext uri="{BB962C8B-B14F-4D97-AF65-F5344CB8AC3E}">
+        <p14:creationId xmlns:p14="http://schemas.microsoft.com/office/powerpoint/2010/main" val="3398062162"/>
+      </p:ext>
+    </p:extLst>
+  </p:cSld>
+  <p:clrMapOvr>
+    <a:masterClrMapping/>
+  </p:clrMapOvr>
+  <p:timing>
+    <p:tnLst>
+      <p:par>
+        <p:cTn id="1" dur="indefinite" restart="never" nodeType="tmRoot"/>
+      </p:par>
+    </p:tnLst>
+  </p:timing>
+</p:sld>
+</file>
+
+<file path=ppt/slides/slide7.xml><?xml version="1.0" encoding="utf-8"?>
+<p:sld xmlns:a="http://schemas.openxmlformats.org/drawingml/2006/main" xmlns:r="http://schemas.openxmlformats.org/officeDocument/2006/relationships" xmlns:p="http://schemas.openxmlformats.org/presentationml/2006/main">
+  <p:cSld>
+    <p:spTree>
+      <p:nvGrpSpPr>
+        <p:cNvPr id="1" name=""/>
+        <p:cNvGrpSpPr/>
+        <p:nvPr/>
+      </p:nvGrpSpPr>
+      <p:grpSpPr>
+        <a:xfrm>
+          <a:off x="0" y="0"/>
+          <a:ext cx="0" cy="0"/>
+          <a:chOff x="0" y="0"/>
+          <a:chExt cx="0" cy="0"/>
+        </a:xfrm>
+      </p:grpSpPr>
+      <p:sp>
+        <p:nvSpPr>
+          <p:cNvPr id="8" name="Subtítulo 7"/>
+          <p:cNvSpPr>
+            <a:spLocks noGrp="1"/>
+          </p:cNvSpPr>
+          <p:nvPr>
+            <p:ph type="subTitle" idx="1"/>
+          </p:nvPr>
+        </p:nvSpPr>
+        <p:spPr>
+          <a:xfrm>
+            <a:off x="360608" y="965915"/>
+            <a:ext cx="10307392" cy="5474680"/>
+          </a:xfrm>
+        </p:spPr>
+        <p:txBody>
+          <a:bodyPr/>
+          <a:lstStyle/>
+          <a:p>
+            <a:pPr algn="l"/>
+            <a:r>
+              <a:rPr lang="pt-BR" dirty="0" smtClean="0">
+                <a:latin typeface="Times New Roman" panose="02020603050405020304" pitchFamily="18" charset="0"/>
+                <a:cs typeface="Times New Roman" panose="02020603050405020304" pitchFamily="18" charset="0"/>
+              </a:rPr>
+              <a:t>KPSS – </a:t>
+            </a:r>
+            <a:r>
+              <a:rPr lang="pt-BR" dirty="0" smtClean="0">
+                <a:latin typeface="Times New Roman" panose="02020603050405020304" pitchFamily="18" charset="0"/>
+                <a:cs typeface="Times New Roman" panose="02020603050405020304" pitchFamily="18" charset="0"/>
+              </a:rPr>
+              <a:t>Série </a:t>
+            </a:r>
+            <a:r>
+              <a:rPr lang="pt-BR" dirty="0" smtClean="0">
+                <a:latin typeface="Times New Roman" panose="02020603050405020304" pitchFamily="18" charset="0"/>
+                <a:cs typeface="Times New Roman" panose="02020603050405020304" pitchFamily="18" charset="0"/>
+              </a:rPr>
+              <a:t>original</a:t>
+            </a:r>
+            <a:endParaRPr lang="pt-BR" dirty="0" smtClean="0">
+              <a:latin typeface="Times New Roman" panose="02020603050405020304" pitchFamily="18" charset="0"/>
+              <a:cs typeface="Times New Roman" panose="02020603050405020304" pitchFamily="18" charset="0"/>
+            </a:endParaRPr>
+          </a:p>
+          <a:p>
+            <a:endParaRPr lang="pt-BR" dirty="0"/>
+          </a:p>
+          <a:p>
+            <a:r>
+              <a:rPr lang="pt-BR" dirty="0"/>
+              <a:t> </a:t>
+            </a:r>
+            <a:r>
+              <a:rPr lang="pt-BR" dirty="0" smtClean="0"/>
+              <a:t>     </a:t>
+            </a:r>
+          </a:p>
+          <a:p>
+            <a:endParaRPr lang="pt-BR" dirty="0"/>
+          </a:p>
+          <a:p>
+            <a:endParaRPr lang="pt-BR" dirty="0" smtClean="0"/>
+          </a:p>
+          <a:p>
+            <a:endParaRPr lang="pt-BR" dirty="0"/>
+          </a:p>
+          <a:p>
+            <a:endParaRPr lang="pt-BR" dirty="0" smtClean="0"/>
+          </a:p>
+          <a:p>
+            <a:endParaRPr lang="pt-BR" dirty="0"/>
+          </a:p>
+          <a:p>
+            <a:endParaRPr lang="pt-BR" dirty="0" smtClean="0"/>
+          </a:p>
+          <a:p>
+            <a:endParaRPr lang="pt-BR" dirty="0" smtClean="0"/>
+          </a:p>
+          <a:p>
+            <a:endParaRPr lang="pt-BR" dirty="0"/>
+          </a:p>
+        </p:txBody>
+      </p:sp>
+      <p:pic>
+        <p:nvPicPr>
+          <p:cNvPr id="4" name="Imagem 3"/>
+          <p:cNvPicPr>
+            <a:picLocks noChangeAspect="1"/>
+          </p:cNvPicPr>
+          <p:nvPr/>
+        </p:nvPicPr>
+        <p:blipFill>
+          <a:blip r:embed="rId2">
+            <a:extLst>
+              <a:ext uri="{28A0092B-C50C-407E-A947-70E740481C1C}">
+                <a14:useLocalDpi xmlns:a14="http://schemas.microsoft.com/office/drawing/2010/main" val="0"/>
+              </a:ext>
+            </a:extLst>
+          </a:blip>
+          <a:stretch>
+            <a:fillRect/>
+          </a:stretch>
+        </p:blipFill>
+        <p:spPr>
+          <a:xfrm>
+            <a:off x="360608" y="5257800"/>
+            <a:ext cx="1056067" cy="1182795"/>
+          </a:xfrm>
+          <a:prstGeom prst="rect">
+            <a:avLst/>
+          </a:prstGeom>
+        </p:spPr>
+      </p:pic>
+      <p:pic>
+        <p:nvPicPr>
+          <p:cNvPr id="5" name="Imagem 4"/>
+          <p:cNvPicPr>
+            <a:picLocks noChangeAspect="1"/>
+          </p:cNvPicPr>
+          <p:nvPr/>
+        </p:nvPicPr>
+        <p:blipFill>
+          <a:blip r:embed="rId3" cstate="print">
+            <a:extLst>
+              <a:ext uri="{28A0092B-C50C-407E-A947-70E740481C1C}">
+                <a14:useLocalDpi xmlns:a14="http://schemas.microsoft.com/office/drawing/2010/main" val="0"/>
+              </a:ext>
+            </a:extLst>
+          </a:blip>
+          <a:stretch>
+            <a:fillRect/>
+          </a:stretch>
+        </p:blipFill>
+        <p:spPr>
+          <a:xfrm>
+            <a:off x="10509161" y="5460642"/>
+            <a:ext cx="1210377" cy="979953"/>
+          </a:xfrm>
+          <a:prstGeom prst="rect">
+            <a:avLst/>
+          </a:prstGeom>
+        </p:spPr>
+      </p:pic>
+      <p:sp>
+        <p:nvSpPr>
+          <p:cNvPr id="6" name="Retângulo 5"/>
+          <p:cNvSpPr/>
+          <p:nvPr/>
+        </p:nvSpPr>
+        <p:spPr>
+          <a:xfrm>
+            <a:off x="0" y="0"/>
+            <a:ext cx="12192000" cy="965915"/>
+          </a:xfrm>
+          <a:prstGeom prst="rect">
+            <a:avLst/>
+          </a:prstGeom>
+          <a:solidFill>
+            <a:srgbClr val="25617F"/>
+          </a:solidFill>
+        </p:spPr>
+        <p:style>
+          <a:lnRef idx="2">
+            <a:schemeClr val="accent1">
+              <a:shade val="50000"/>
+            </a:schemeClr>
+          </a:lnRef>
+          <a:fillRef idx="1">
+            <a:schemeClr val="accent1"/>
+          </a:fillRef>
+          <a:effectRef idx="0">
+            <a:schemeClr val="accent1"/>
+          </a:effectRef>
+          <a:fontRef idx="minor">
+            <a:schemeClr val="lt1"/>
+          </a:fontRef>
+        </p:style>
+        <p:txBody>
+          <a:bodyPr rtlCol="0" anchor="ctr"/>
+          <a:lstStyle/>
+          <a:p>
+            <a:pPr algn="ctr"/>
+            <a:endParaRPr lang="pt-BR"/>
+          </a:p>
+        </p:txBody>
+      </p:sp>
+      <p:sp>
+        <p:nvSpPr>
+          <p:cNvPr id="2" name="AutoShape 2" descr="http://127.0.0.1:17702/chunk_output/s/CA083933/cbq0dpacqg04z/000003.png"/>
+          <p:cNvSpPr>
+            <a:spLocks noChangeAspect="1" noChangeArrowheads="1"/>
+          </p:cNvSpPr>
+          <p:nvPr/>
+        </p:nvSpPr>
+        <p:spPr bwMode="auto">
+          <a:xfrm>
+            <a:off x="63500" y="-136525"/>
+            <a:ext cx="304800" cy="304800"/>
+          </a:xfrm>
+          <a:prstGeom prst="rect">
+            <a:avLst/>
+          </a:prstGeom>
+          <a:noFill/>
+          <a:extLst>
+            <a:ext uri="{909E8E84-426E-40DD-AFC4-6F175D3DCCD1}">
+              <a14:hiddenFill xmlns:a14="http://schemas.microsoft.com/office/drawing/2010/main">
+                <a:solidFill>
+                  <a:srgbClr val="FFFFFF"/>
+                </a:solidFill>
+              </a14:hiddenFill>
+            </a:ext>
+          </a:extLst>
+        </p:spPr>
+        <p:txBody>
+          <a:bodyPr vert="horz" wrap="square" lIns="91440" tIns="45720" rIns="91440" bIns="45720" numCol="1" anchor="t" anchorCtr="0" compatLnSpc="1">
+            <a:prstTxWarp prst="textNoShape">
+              <a:avLst/>
+            </a:prstTxWarp>
+          </a:bodyPr>
+          <a:lstStyle/>
+          <a:p>
+            <a:endParaRPr lang="pt-BR"/>
+          </a:p>
+        </p:txBody>
+      </p:sp>
+      <p:sp>
+        <p:nvSpPr>
+          <p:cNvPr id="19" name="CaixaDeTexto 18"/>
+          <p:cNvSpPr txBox="1"/>
+          <p:nvPr/>
+        </p:nvSpPr>
+        <p:spPr>
+          <a:xfrm>
+            <a:off x="6250890" y="3323224"/>
+            <a:ext cx="4518992" cy="2031325"/>
+          </a:xfrm>
+          <a:prstGeom prst="rect">
+            <a:avLst/>
+          </a:prstGeom>
+          <a:noFill/>
+        </p:spPr>
+        <p:txBody>
+          <a:bodyPr wrap="square" rtlCol="0">
+            <a:spAutoFit/>
+          </a:bodyPr>
+          <a:lstStyle/>
+          <a:p>
+            <a:r>
+              <a:rPr lang="pt-BR" dirty="0"/>
+              <a:t>Como a estatística do teste KPSS é maior que o valor crítico, rejeita-se a hipótese nula. Ou seja, a série</a:t>
+            </a:r>
+            <a:br>
+              <a:rPr lang="pt-BR" dirty="0"/>
+            </a:br>
+            <a:r>
+              <a:rPr lang="pt-BR" dirty="0"/>
+              <a:t>possui </a:t>
+            </a:r>
+            <a:r>
+              <a:rPr lang="pt-BR" dirty="0" err="1"/>
+              <a:t>raíz</a:t>
+            </a:r>
+            <a:r>
+              <a:rPr lang="pt-BR" dirty="0"/>
+              <a:t> unitária e é não-estacionária.</a:t>
+            </a:r>
+            <a:r>
+              <a:rPr lang="pt-BR" dirty="0"/>
+              <a:t> </a:t>
+            </a:r>
+            <a:br>
+              <a:rPr lang="pt-BR" dirty="0"/>
+            </a:br>
+            <a:r>
+              <a:rPr lang="pt-BR" b="1" dirty="0" smtClean="0"/>
+              <a:t>.</a:t>
+            </a:r>
+            <a:r>
+              <a:rPr lang="pt-BR" dirty="0" smtClean="0"/>
+              <a:t> </a:t>
+            </a:r>
+            <a:r>
+              <a:rPr lang="pt-BR" dirty="0"/>
+              <a:t/>
+            </a:r>
+            <a:br>
+              <a:rPr lang="pt-BR" dirty="0"/>
+            </a:br>
+            <a:r>
+              <a:rPr lang="pt-BR" dirty="0"/>
+              <a:t/>
+            </a:r>
+            <a:br>
+              <a:rPr lang="pt-BR" dirty="0"/>
+            </a:br>
+            <a:endParaRPr lang="pt-BR" dirty="0"/>
+          </a:p>
+        </p:txBody>
+      </p:sp>
+      <p:pic>
+        <p:nvPicPr>
+          <p:cNvPr id="3" name="Imagem 2"/>
+          <p:cNvPicPr>
+            <a:picLocks noChangeAspect="1"/>
+          </p:cNvPicPr>
+          <p:nvPr/>
+        </p:nvPicPr>
+        <p:blipFill>
+          <a:blip r:embed="rId4"/>
+          <a:stretch>
+            <a:fillRect/>
+          </a:stretch>
+        </p:blipFill>
+        <p:spPr>
+          <a:xfrm>
+            <a:off x="1302155" y="2340210"/>
+            <a:ext cx="4433237" cy="2512168"/>
+          </a:xfrm>
+          <a:prstGeom prst="rect">
+            <a:avLst/>
+          </a:prstGeom>
+        </p:spPr>
+      </p:pic>
+      <p:pic>
+        <p:nvPicPr>
+          <p:cNvPr id="10" name="Imagem 9"/>
+          <p:cNvPicPr>
+            <a:picLocks noChangeAspect="1"/>
+          </p:cNvPicPr>
+          <p:nvPr/>
+        </p:nvPicPr>
+        <p:blipFill>
+          <a:blip r:embed="rId5"/>
+          <a:stretch>
+            <a:fillRect/>
+          </a:stretch>
+        </p:blipFill>
+        <p:spPr>
+          <a:xfrm>
+            <a:off x="6424865" y="2237178"/>
+            <a:ext cx="4932608" cy="714870"/>
+          </a:xfrm>
+          <a:prstGeom prst="rect">
+            <a:avLst/>
+          </a:prstGeom>
+        </p:spPr>
+      </p:pic>
+    </p:spTree>
+    <p:extLst>
+      <p:ext uri="{BB962C8B-B14F-4D97-AF65-F5344CB8AC3E}">
+        <p14:creationId xmlns:p14="http://schemas.microsoft.com/office/powerpoint/2010/main" val="567901121"/>
+      </p:ext>
+    </p:extLst>
+  </p:cSld>
+  <p:clrMapOvr>
+    <a:masterClrMapping/>
+  </p:clrMapOvr>
+  <p:timing>
+    <p:tnLst>
+      <p:par>
+        <p:cTn id="1" dur="indefinite" restart="never" nodeType="tmRoot"/>
+      </p:par>
+    </p:tnLst>
+  </p:timing>
+</p:sld>
+</file>
+
+<file path=ppt/slides/slide8.xml><?xml version="1.0" encoding="utf-8"?>
+<p:sld xmlns:a="http://schemas.openxmlformats.org/drawingml/2006/main" xmlns:r="http://schemas.openxmlformats.org/officeDocument/2006/relationships" xmlns:p="http://schemas.openxmlformats.org/presentationml/2006/main">
+  <p:cSld>
+    <p:spTree>
+      <p:nvGrpSpPr>
+        <p:cNvPr id="1" name=""/>
+        <p:cNvGrpSpPr/>
+        <p:nvPr/>
+      </p:nvGrpSpPr>
+      <p:grpSpPr>
+        <a:xfrm>
+          <a:off x="0" y="0"/>
+          <a:ext cx="0" cy="0"/>
+          <a:chOff x="0" y="0"/>
+          <a:chExt cx="0" cy="0"/>
+        </a:xfrm>
+      </p:grpSpPr>
+      <p:sp>
+        <p:nvSpPr>
+          <p:cNvPr id="8" name="Subtítulo 7"/>
+          <p:cNvSpPr>
+            <a:spLocks noGrp="1"/>
+          </p:cNvSpPr>
+          <p:nvPr>
+            <p:ph type="subTitle" idx="1"/>
+          </p:nvPr>
+        </p:nvSpPr>
+        <p:spPr>
+          <a:xfrm>
+            <a:off x="360608" y="965915"/>
+            <a:ext cx="10307392" cy="5474680"/>
+          </a:xfrm>
+        </p:spPr>
+        <p:txBody>
+          <a:bodyPr/>
+          <a:lstStyle/>
+          <a:p>
+            <a:pPr algn="l"/>
+            <a:r>
+              <a:rPr lang="pt-BR" dirty="0" err="1" smtClean="0">
+                <a:latin typeface="Times New Roman" panose="02020603050405020304" pitchFamily="18" charset="0"/>
+                <a:cs typeface="Times New Roman" panose="02020603050405020304" pitchFamily="18" charset="0"/>
+              </a:rPr>
+              <a:t>Dickey</a:t>
+            </a:r>
+            <a:r>
+              <a:rPr lang="pt-BR" dirty="0" smtClean="0">
+                <a:latin typeface="Times New Roman" panose="02020603050405020304" pitchFamily="18" charset="0"/>
+                <a:cs typeface="Times New Roman" panose="02020603050405020304" pitchFamily="18" charset="0"/>
+              </a:rPr>
+              <a:t> e </a:t>
+            </a:r>
+            <a:r>
+              <a:rPr lang="pt-BR" dirty="0" err="1" smtClean="0">
+                <a:latin typeface="Times New Roman" panose="02020603050405020304" pitchFamily="18" charset="0"/>
+                <a:cs typeface="Times New Roman" panose="02020603050405020304" pitchFamily="18" charset="0"/>
+              </a:rPr>
+              <a:t>Pantula</a:t>
+            </a:r>
+            <a:r>
+              <a:rPr lang="pt-BR" dirty="0" smtClean="0">
+                <a:latin typeface="Times New Roman" panose="02020603050405020304" pitchFamily="18" charset="0"/>
+                <a:cs typeface="Times New Roman" panose="02020603050405020304" pitchFamily="18" charset="0"/>
+              </a:rPr>
+              <a:t> – </a:t>
+            </a:r>
+            <a:r>
+              <a:rPr lang="pt-BR" dirty="0" smtClean="0">
+                <a:latin typeface="Times New Roman" panose="02020603050405020304" pitchFamily="18" charset="0"/>
+                <a:cs typeface="Times New Roman" panose="02020603050405020304" pitchFamily="18" charset="0"/>
+              </a:rPr>
+              <a:t>Série </a:t>
+            </a:r>
+            <a:r>
+              <a:rPr lang="pt-BR" dirty="0" smtClean="0">
+                <a:latin typeface="Times New Roman" panose="02020603050405020304" pitchFamily="18" charset="0"/>
+                <a:cs typeface="Times New Roman" panose="02020603050405020304" pitchFamily="18" charset="0"/>
+              </a:rPr>
+              <a:t>original</a:t>
+            </a:r>
+            <a:endParaRPr lang="pt-BR" dirty="0" smtClean="0">
+              <a:latin typeface="Times New Roman" panose="02020603050405020304" pitchFamily="18" charset="0"/>
+              <a:cs typeface="Times New Roman" panose="02020603050405020304" pitchFamily="18" charset="0"/>
+            </a:endParaRPr>
+          </a:p>
+          <a:p>
+            <a:endParaRPr lang="pt-BR" dirty="0"/>
+          </a:p>
+          <a:p>
+            <a:r>
+              <a:rPr lang="pt-BR" dirty="0"/>
+              <a:t> </a:t>
+            </a:r>
+            <a:r>
+              <a:rPr lang="pt-BR" dirty="0" smtClean="0"/>
+              <a:t>     </a:t>
+            </a:r>
+          </a:p>
+          <a:p>
+            <a:endParaRPr lang="pt-BR" dirty="0"/>
+          </a:p>
+          <a:p>
+            <a:endParaRPr lang="pt-BR" dirty="0" smtClean="0"/>
+          </a:p>
+          <a:p>
+            <a:endParaRPr lang="pt-BR" dirty="0"/>
+          </a:p>
+          <a:p>
+            <a:endParaRPr lang="pt-BR" dirty="0" smtClean="0"/>
+          </a:p>
+          <a:p>
+            <a:endParaRPr lang="pt-BR" dirty="0"/>
+          </a:p>
+          <a:p>
+            <a:endParaRPr lang="pt-BR" dirty="0" smtClean="0"/>
+          </a:p>
+          <a:p>
+            <a:endParaRPr lang="pt-BR" dirty="0" smtClean="0"/>
+          </a:p>
+          <a:p>
+            <a:endParaRPr lang="pt-BR" dirty="0"/>
+          </a:p>
+        </p:txBody>
+      </p:sp>
+      <p:pic>
+        <p:nvPicPr>
+          <p:cNvPr id="4" name="Imagem 3"/>
+          <p:cNvPicPr>
+            <a:picLocks noChangeAspect="1"/>
+          </p:cNvPicPr>
+          <p:nvPr/>
+        </p:nvPicPr>
+        <p:blipFill>
+          <a:blip r:embed="rId2">
+            <a:extLst>
+              <a:ext uri="{28A0092B-C50C-407E-A947-70E740481C1C}">
+                <a14:useLocalDpi xmlns:a14="http://schemas.microsoft.com/office/drawing/2010/main" val="0"/>
+              </a:ext>
+            </a:extLst>
+          </a:blip>
+          <a:stretch>
+            <a:fillRect/>
+          </a:stretch>
+        </p:blipFill>
+        <p:spPr>
+          <a:xfrm>
+            <a:off x="360608" y="5257800"/>
+            <a:ext cx="1056067" cy="1182795"/>
+          </a:xfrm>
+          <a:prstGeom prst="rect">
+            <a:avLst/>
+          </a:prstGeom>
+        </p:spPr>
+      </p:pic>
+      <p:pic>
+        <p:nvPicPr>
+          <p:cNvPr id="5" name="Imagem 4"/>
+          <p:cNvPicPr>
+            <a:picLocks noChangeAspect="1"/>
+          </p:cNvPicPr>
+          <p:nvPr/>
+        </p:nvPicPr>
+        <p:blipFill>
+          <a:blip r:embed="rId3" cstate="print">
+            <a:extLst>
+              <a:ext uri="{28A0092B-C50C-407E-A947-70E740481C1C}">
+                <a14:useLocalDpi xmlns:a14="http://schemas.microsoft.com/office/drawing/2010/main" val="0"/>
+              </a:ext>
+            </a:extLst>
+          </a:blip>
+          <a:stretch>
+            <a:fillRect/>
+          </a:stretch>
+        </p:blipFill>
+        <p:spPr>
+          <a:xfrm>
+            <a:off x="10509161" y="5460642"/>
+            <a:ext cx="1210377" cy="979953"/>
+          </a:xfrm>
+          <a:prstGeom prst="rect">
+            <a:avLst/>
+          </a:prstGeom>
+        </p:spPr>
+      </p:pic>
+      <p:sp>
+        <p:nvSpPr>
+          <p:cNvPr id="6" name="Retângulo 5"/>
+          <p:cNvSpPr/>
+          <p:nvPr/>
+        </p:nvSpPr>
+        <p:spPr>
+          <a:xfrm>
+            <a:off x="0" y="0"/>
+            <a:ext cx="12192000" cy="965915"/>
+          </a:xfrm>
+          <a:prstGeom prst="rect">
+            <a:avLst/>
+          </a:prstGeom>
+          <a:solidFill>
+            <a:srgbClr val="25617F"/>
+          </a:solidFill>
+        </p:spPr>
+        <p:style>
+          <a:lnRef idx="2">
+            <a:schemeClr val="accent1">
+              <a:shade val="50000"/>
+            </a:schemeClr>
+          </a:lnRef>
+          <a:fillRef idx="1">
+            <a:schemeClr val="accent1"/>
+          </a:fillRef>
+          <a:effectRef idx="0">
+            <a:schemeClr val="accent1"/>
+          </a:effectRef>
+          <a:fontRef idx="minor">
+            <a:schemeClr val="lt1"/>
+          </a:fontRef>
+        </p:style>
+        <p:txBody>
+          <a:bodyPr rtlCol="0" anchor="ctr"/>
+          <a:lstStyle/>
+          <a:p>
+            <a:pPr algn="ctr"/>
+            <a:endParaRPr lang="pt-BR"/>
+          </a:p>
+        </p:txBody>
+      </p:sp>
+      <p:sp>
+        <p:nvSpPr>
+          <p:cNvPr id="2" name="AutoShape 2" descr="http://127.0.0.1:17702/chunk_output/s/CA083933/cbq0dpacqg04z/000003.png"/>
+          <p:cNvSpPr>
+            <a:spLocks noChangeAspect="1" noChangeArrowheads="1"/>
+          </p:cNvSpPr>
+          <p:nvPr/>
+        </p:nvSpPr>
+        <p:spPr bwMode="auto">
+          <a:xfrm>
+            <a:off x="63500" y="-136525"/>
+            <a:ext cx="304800" cy="304800"/>
+          </a:xfrm>
+          <a:prstGeom prst="rect">
+            <a:avLst/>
+          </a:prstGeom>
+          <a:noFill/>
+          <a:extLst>
+            <a:ext uri="{909E8E84-426E-40DD-AFC4-6F175D3DCCD1}">
+              <a14:hiddenFill xmlns:a14="http://schemas.microsoft.com/office/drawing/2010/main">
+                <a:solidFill>
+                  <a:srgbClr val="FFFFFF"/>
+                </a:solidFill>
+              </a14:hiddenFill>
+            </a:ext>
+          </a:extLst>
+        </p:spPr>
+        <p:txBody>
+          <a:bodyPr vert="horz" wrap="square" lIns="91440" tIns="45720" rIns="91440" bIns="45720" numCol="1" anchor="t" anchorCtr="0" compatLnSpc="1">
+            <a:prstTxWarp prst="textNoShape">
+              <a:avLst/>
+            </a:prstTxWarp>
+          </a:bodyPr>
+          <a:lstStyle/>
+          <a:p>
+            <a:endParaRPr lang="pt-BR"/>
+          </a:p>
+        </p:txBody>
+      </p:sp>
+      <p:sp>
+        <p:nvSpPr>
+          <p:cNvPr id="19" name="CaixaDeTexto 18"/>
+          <p:cNvSpPr txBox="1"/>
+          <p:nvPr/>
+        </p:nvSpPr>
+        <p:spPr>
+          <a:xfrm>
+            <a:off x="1576401" y="5322379"/>
+            <a:ext cx="6163801" cy="1477328"/>
+          </a:xfrm>
+          <a:prstGeom prst="rect">
+            <a:avLst/>
+          </a:prstGeom>
+          <a:noFill/>
+        </p:spPr>
+        <p:txBody>
+          <a:bodyPr wrap="square" rtlCol="0">
+            <a:spAutoFit/>
+          </a:bodyPr>
+          <a:lstStyle/>
+          <a:p>
+            <a:r>
+              <a:rPr lang="pt-BR" dirty="0"/>
+              <a:t>Aplicando o teste para duas raízes unitárias (que possuem significância econométrica) rejeita-se a hipótese</a:t>
+            </a:r>
+            <a:br>
+              <a:rPr lang="pt-BR" dirty="0"/>
+            </a:br>
+            <a:r>
+              <a:rPr lang="pt-BR" dirty="0"/>
+              <a:t>nula. Mas para o passo dois não rejeita-se a hipótese nula. Assim, nota-se que há uma </a:t>
+            </a:r>
+            <a:r>
+              <a:rPr lang="pt-BR" dirty="0" err="1"/>
+              <a:t>raíz</a:t>
+            </a:r>
+            <a:r>
+              <a:rPr lang="pt-BR" dirty="0"/>
+              <a:t> unitária.</a:t>
+            </a:r>
+            <a:r>
+              <a:rPr lang="pt-BR" dirty="0"/>
+              <a:t> </a:t>
+            </a:r>
+            <a:br>
+              <a:rPr lang="pt-BR" dirty="0"/>
+            </a:br>
+            <a:endParaRPr lang="pt-BR" dirty="0"/>
+          </a:p>
+        </p:txBody>
+      </p:sp>
+      <p:pic>
+        <p:nvPicPr>
+          <p:cNvPr id="7" name="Imagem 6"/>
+          <p:cNvPicPr>
+            <a:picLocks noChangeAspect="1"/>
+          </p:cNvPicPr>
+          <p:nvPr/>
+        </p:nvPicPr>
+        <p:blipFill>
+          <a:blip r:embed="rId4"/>
+          <a:stretch>
+            <a:fillRect/>
+          </a:stretch>
+        </p:blipFill>
+        <p:spPr>
+          <a:xfrm>
+            <a:off x="597056" y="1763555"/>
+            <a:ext cx="4348431" cy="592428"/>
+          </a:xfrm>
+          <a:prstGeom prst="rect">
+            <a:avLst/>
+          </a:prstGeom>
+        </p:spPr>
+      </p:pic>
+      <p:pic>
+        <p:nvPicPr>
+          <p:cNvPr id="9" name="Imagem 8"/>
+          <p:cNvPicPr>
+            <a:picLocks noChangeAspect="1"/>
+          </p:cNvPicPr>
+          <p:nvPr/>
+        </p:nvPicPr>
+        <p:blipFill>
+          <a:blip r:embed="rId5"/>
+          <a:stretch>
+            <a:fillRect/>
+          </a:stretch>
+        </p:blipFill>
+        <p:spPr>
+          <a:xfrm>
+            <a:off x="543680" y="2342736"/>
+            <a:ext cx="3461621" cy="1569555"/>
           </a:xfrm>
           <a:prstGeom prst="rect">
             <a:avLst/>
@@ -4158,7 +6238,199 @@
           <p:nvPr/>
         </p:nvPicPr>
         <p:blipFill>
-          <a:blip r:embed="rId5">
+          <a:blip r:embed="rId6"/>
+          <a:stretch>
+            <a:fillRect/>
+          </a:stretch>
+        </p:blipFill>
+        <p:spPr>
+          <a:xfrm>
+            <a:off x="597056" y="3882811"/>
+            <a:ext cx="3296110" cy="1114581"/>
+          </a:xfrm>
+          <a:prstGeom prst="rect">
+            <a:avLst/>
+          </a:prstGeom>
+        </p:spPr>
+      </p:pic>
+      <p:pic>
+        <p:nvPicPr>
+          <p:cNvPr id="12" name="Imagem 11"/>
+          <p:cNvPicPr>
+            <a:picLocks noChangeAspect="1"/>
+          </p:cNvPicPr>
+          <p:nvPr/>
+        </p:nvPicPr>
+        <p:blipFill>
+          <a:blip r:embed="rId7"/>
+          <a:stretch>
+            <a:fillRect/>
+          </a:stretch>
+        </p:blipFill>
+        <p:spPr>
+          <a:xfrm>
+            <a:off x="6332448" y="1763555"/>
+            <a:ext cx="4028801" cy="3509324"/>
+          </a:xfrm>
+          <a:prstGeom prst="rect">
+            <a:avLst/>
+          </a:prstGeom>
+        </p:spPr>
+      </p:pic>
+    </p:spTree>
+    <p:extLst>
+      <p:ext uri="{BB962C8B-B14F-4D97-AF65-F5344CB8AC3E}">
+        <p14:creationId xmlns:p14="http://schemas.microsoft.com/office/powerpoint/2010/main" val="2279856754"/>
+      </p:ext>
+    </p:extLst>
+  </p:cSld>
+  <p:clrMapOvr>
+    <a:masterClrMapping/>
+  </p:clrMapOvr>
+  <p:timing>
+    <p:tnLst>
+      <p:par>
+        <p:cTn id="1" dur="indefinite" restart="never" nodeType="tmRoot"/>
+      </p:par>
+    </p:tnLst>
+  </p:timing>
+</p:sld>
+</file>
+
+<file path=ppt/slides/slide9.xml><?xml version="1.0" encoding="utf-8"?>
+<p:sld xmlns:a="http://schemas.openxmlformats.org/drawingml/2006/main" xmlns:r="http://schemas.openxmlformats.org/officeDocument/2006/relationships" xmlns:p="http://schemas.openxmlformats.org/presentationml/2006/main">
+  <p:cSld>
+    <p:spTree>
+      <p:nvGrpSpPr>
+        <p:cNvPr id="1" name=""/>
+        <p:cNvGrpSpPr/>
+        <p:nvPr/>
+      </p:nvGrpSpPr>
+      <p:grpSpPr>
+        <a:xfrm>
+          <a:off x="0" y="0"/>
+          <a:ext cx="0" cy="0"/>
+          <a:chOff x="0" y="0"/>
+          <a:chExt cx="0" cy="0"/>
+        </a:xfrm>
+      </p:grpSpPr>
+      <p:sp>
+        <p:nvSpPr>
+          <p:cNvPr id="8" name="Subtítulo 7"/>
+          <p:cNvSpPr>
+            <a:spLocks noGrp="1"/>
+          </p:cNvSpPr>
+          <p:nvPr>
+            <p:ph type="subTitle" idx="1"/>
+          </p:nvPr>
+        </p:nvSpPr>
+        <p:spPr>
+          <a:xfrm>
+            <a:off x="360608" y="965915"/>
+            <a:ext cx="10307392" cy="5474680"/>
+          </a:xfrm>
+        </p:spPr>
+        <p:txBody>
+          <a:bodyPr/>
+          <a:lstStyle/>
+          <a:p>
+            <a:pPr algn="l"/>
+            <a:r>
+              <a:rPr lang="pt-BR" dirty="0" err="1" smtClean="0">
+                <a:latin typeface="Times New Roman" panose="02020603050405020304" pitchFamily="18" charset="0"/>
+                <a:cs typeface="Times New Roman" panose="02020603050405020304" pitchFamily="18" charset="0"/>
+              </a:rPr>
+              <a:t>Dickey</a:t>
+            </a:r>
+            <a:r>
+              <a:rPr lang="pt-BR" dirty="0" smtClean="0">
+                <a:latin typeface="Times New Roman" panose="02020603050405020304" pitchFamily="18" charset="0"/>
+                <a:cs typeface="Times New Roman" panose="02020603050405020304" pitchFamily="18" charset="0"/>
+              </a:rPr>
+              <a:t> e </a:t>
+            </a:r>
+            <a:r>
+              <a:rPr lang="pt-BR" dirty="0" err="1" smtClean="0">
+                <a:latin typeface="Times New Roman" panose="02020603050405020304" pitchFamily="18" charset="0"/>
+                <a:cs typeface="Times New Roman" panose="02020603050405020304" pitchFamily="18" charset="0"/>
+              </a:rPr>
+              <a:t>Pantula</a:t>
+            </a:r>
+            <a:r>
+              <a:rPr lang="pt-BR" dirty="0" smtClean="0">
+                <a:latin typeface="Times New Roman" panose="02020603050405020304" pitchFamily="18" charset="0"/>
+                <a:cs typeface="Times New Roman" panose="02020603050405020304" pitchFamily="18" charset="0"/>
+              </a:rPr>
+              <a:t> – </a:t>
+            </a:r>
+            <a:r>
+              <a:rPr lang="pt-BR" dirty="0" smtClean="0">
+                <a:latin typeface="Times New Roman" panose="02020603050405020304" pitchFamily="18" charset="0"/>
+                <a:cs typeface="Times New Roman" panose="02020603050405020304" pitchFamily="18" charset="0"/>
+              </a:rPr>
+              <a:t>Série </a:t>
+            </a:r>
+            <a:r>
+              <a:rPr lang="pt-BR" dirty="0" smtClean="0">
+                <a:latin typeface="Times New Roman" panose="02020603050405020304" pitchFamily="18" charset="0"/>
+                <a:cs typeface="Times New Roman" panose="02020603050405020304" pitchFamily="18" charset="0"/>
+              </a:rPr>
+              <a:t>original</a:t>
+            </a:r>
+            <a:endParaRPr lang="pt-BR" dirty="0" smtClean="0">
+              <a:latin typeface="Times New Roman" panose="02020603050405020304" pitchFamily="18" charset="0"/>
+              <a:cs typeface="Times New Roman" panose="02020603050405020304" pitchFamily="18" charset="0"/>
+            </a:endParaRPr>
+          </a:p>
+          <a:p>
+            <a:endParaRPr lang="pt-BR" dirty="0"/>
+          </a:p>
+          <a:p>
+            <a:r>
+              <a:rPr lang="pt-BR" dirty="0"/>
+              <a:t> </a:t>
+            </a:r>
+            <a:r>
+              <a:rPr lang="pt-BR" dirty="0" smtClean="0"/>
+              <a:t>     </a:t>
+            </a:r>
+          </a:p>
+          <a:p>
+            <a:endParaRPr lang="pt-BR" dirty="0"/>
+          </a:p>
+          <a:p>
+            <a:endParaRPr lang="pt-BR" dirty="0" smtClean="0"/>
+          </a:p>
+          <a:p>
+            <a:endParaRPr lang="pt-BR" dirty="0"/>
+          </a:p>
+          <a:p>
+            <a:endParaRPr lang="pt-BR" dirty="0" smtClean="0"/>
+          </a:p>
+          <a:p>
+            <a:endParaRPr lang="pt-BR" dirty="0"/>
+          </a:p>
+          <a:p>
+            <a:endParaRPr lang="pt-BR" dirty="0" smtClean="0"/>
+          </a:p>
+          <a:p>
+            <a:endParaRPr lang="pt-BR" dirty="0" smtClean="0"/>
+          </a:p>
+          <a:p>
+            <a:endParaRPr lang="pt-BR" dirty="0"/>
+          </a:p>
+        </p:txBody>
+      </p:sp>
+      <p:pic>
+        <p:nvPicPr>
+          <p:cNvPr id="4" name="Imagem 3"/>
+          <p:cNvPicPr>
+            <a:picLocks noChangeAspect="1"/>
+          </p:cNvPicPr>
+          <p:nvPr/>
+        </p:nvPicPr>
+        <p:blipFill>
+          <a:blip r:embed="rId2">
             <a:extLst>
               <a:ext uri="{28A0092B-C50C-407E-A947-70E740481C1C}">
                 <a14:useLocalDpi xmlns:a14="http://schemas.microsoft.com/office/drawing/2010/main" val="0"/>
@@ -4171,24 +6443,136 @@
         </p:blipFill>
         <p:spPr>
           <a:xfrm>
-            <a:off x="6096000" y="1531655"/>
-            <a:ext cx="5896536" cy="3639005"/>
+            <a:off x="360608" y="5257800"/>
+            <a:ext cx="1056067" cy="1182795"/>
           </a:xfrm>
           <a:prstGeom prst="rect">
             <a:avLst/>
           </a:prstGeom>
         </p:spPr>
       </p:pic>
-      <p:sp>
-        <p:nvSpPr>
-          <p:cNvPr id="12" name="CaixaDeTexto 11"/>
+      <p:pic>
+        <p:nvPicPr>
+          <p:cNvPr id="5" name="Imagem 4"/>
+          <p:cNvPicPr>
+            <a:picLocks noChangeAspect="1"/>
+          </p:cNvPicPr>
+          <p:nvPr/>
+        </p:nvPicPr>
+        <p:blipFill>
+          <a:blip r:embed="rId3" cstate="print">
+            <a:extLst>
+              <a:ext uri="{28A0092B-C50C-407E-A947-70E740481C1C}">
+                <a14:useLocalDpi xmlns:a14="http://schemas.microsoft.com/office/drawing/2010/main" val="0"/>
+              </a:ext>
+            </a:extLst>
+          </a:blip>
+          <a:stretch>
+            <a:fillRect/>
+          </a:stretch>
+        </p:blipFill>
+        <p:spPr>
+          <a:xfrm>
+            <a:off x="10509161" y="5460642"/>
+            <a:ext cx="1210377" cy="979953"/>
+          </a:xfrm>
+          <a:prstGeom prst="rect">
+            <a:avLst/>
+          </a:prstGeom>
+        </p:spPr>
+      </p:pic>
+      <p:sp>
+        <p:nvSpPr>
+          <p:cNvPr id="6" name="Retângulo 5"/>
+          <p:cNvSpPr/>
+          <p:nvPr/>
+        </p:nvSpPr>
+        <p:spPr>
+          <a:xfrm>
+            <a:off x="0" y="0"/>
+            <a:ext cx="12192000" cy="965915"/>
+          </a:xfrm>
+          <a:prstGeom prst="rect">
+            <a:avLst/>
+          </a:prstGeom>
+          <a:solidFill>
+            <a:srgbClr val="25617F"/>
+          </a:solidFill>
+        </p:spPr>
+        <p:style>
+          <a:lnRef idx="2">
+            <a:schemeClr val="accent1">
+              <a:shade val="50000"/>
+            </a:schemeClr>
+          </a:lnRef>
+          <a:fillRef idx="1">
+            <a:schemeClr val="accent1"/>
+          </a:fillRef>
+          <a:effectRef idx="0">
+            <a:schemeClr val="accent1"/>
+          </a:effectRef>
+          <a:fontRef idx="minor">
+            <a:schemeClr val="lt1"/>
+          </a:fontRef>
+        </p:style>
+        <p:txBody>
+          <a:bodyPr rtlCol="0" anchor="ctr"/>
+          <a:lstStyle/>
+          <a:p>
+            <a:pPr algn="ctr"/>
+            <a:endParaRPr lang="pt-BR"/>
+          </a:p>
+        </p:txBody>
+      </p:sp>
+      <p:sp>
+        <p:nvSpPr>
+          <p:cNvPr id="2" name="AutoShape 2" descr="http://127.0.0.1:17702/chunk_output/s/CA083933/cbq0dpacqg04z/000003.png"/>
+          <p:cNvSpPr>
+            <a:spLocks noChangeAspect="1" noChangeArrowheads="1"/>
+          </p:cNvSpPr>
+          <p:nvPr/>
+        </p:nvSpPr>
+        <p:spPr bwMode="auto">
+          <a:xfrm>
+            <a:off x="63500" y="-136525"/>
+            <a:ext cx="304800" cy="304800"/>
+          </a:xfrm>
+          <a:prstGeom prst="rect">
+            <a:avLst/>
+          </a:prstGeom>
+          <a:noFill/>
+          <a:extLst>
+            <a:ext uri="{909E8E84-426E-40DD-AFC4-6F175D3DCCD1}">
+              <a14:hiddenFill xmlns:a14="http://schemas.microsoft.com/office/drawing/2010/main">
+                <a:solidFill>
+                  <a:srgbClr val="FFFFFF"/>
+                </a:solidFill>
+              </a14:hiddenFill>
+            </a:ext>
+          </a:extLst>
+        </p:spPr>
+        <p:txBody>
+          <a:bodyPr vert="horz" wrap="square" lIns="91440" tIns="45720" rIns="91440" bIns="45720" numCol="1" anchor="t" anchorCtr="0" compatLnSpc="1">
+            <a:prstTxWarp prst="textNoShape">
+              <a:avLst/>
+            </a:prstTxWarp>
+          </a:bodyPr>
+          <a:lstStyle/>
+          <a:p>
+            <a:endParaRPr lang="pt-BR"/>
+          </a:p>
+        </p:txBody>
+      </p:sp>
+      <p:sp>
+        <p:nvSpPr>
+          <p:cNvPr id="19" name="CaixaDeTexto 18"/>
           <p:cNvSpPr txBox="1"/>
           <p:nvPr/>
         </p:nvSpPr>
         <p:spPr>
           <a:xfrm>
-            <a:off x="1880315" y="5257800"/>
-            <a:ext cx="7180171" cy="369332"/>
+            <a:off x="1576401" y="5322379"/>
+            <a:ext cx="6163801" cy="1477328"/>
           </a:xfrm>
           <a:prstGeom prst="rect">
             <a:avLst/>
@@ -4196,47 +6580,141 @@
           <a:noFill/>
         </p:spPr>
         <p:txBody>
-          <a:bodyPr wrap="none" rtlCol="0">
+          <a:bodyPr wrap="square" rtlCol="0">
             <a:spAutoFit/>
           </a:bodyPr>
           <a:lstStyle/>
           <a:p>
-            <a:pPr marL="285750" indent="-285750">
-              <a:buFontTx/>
-              <a:buChar char="-"/>
-            </a:pPr>
-            <a:r>
-              <a:rPr lang="pt-BR" dirty="0" smtClean="0">
-                <a:latin typeface="Times New Roman" panose="02020603050405020304" pitchFamily="18" charset="0"/>
-                <a:cs typeface="Times New Roman" panose="02020603050405020304" pitchFamily="18" charset="0"/>
-              </a:rPr>
-              <a:t>Série diferenciada 1 vez apresenta comportamento de </a:t>
-            </a:r>
-            <a:r>
-              <a:rPr lang="pt-BR" dirty="0" err="1" smtClean="0">
-                <a:latin typeface="Times New Roman" panose="02020603050405020304" pitchFamily="18" charset="0"/>
-                <a:cs typeface="Times New Roman" panose="02020603050405020304" pitchFamily="18" charset="0"/>
-              </a:rPr>
-              <a:t>estacionariedade</a:t>
-            </a:r>
-            <a:r>
-              <a:rPr lang="pt-BR" dirty="0" smtClean="0">
-                <a:latin typeface="Times New Roman" panose="02020603050405020304" pitchFamily="18" charset="0"/>
-                <a:cs typeface="Times New Roman" panose="02020603050405020304" pitchFamily="18" charset="0"/>
-              </a:rPr>
-              <a:t>.  </a:t>
-            </a:r>
-            <a:endParaRPr lang="pt-BR" dirty="0">
-              <a:latin typeface="Times New Roman" panose="02020603050405020304" pitchFamily="18" charset="0"/>
-              <a:cs typeface="Times New Roman" panose="02020603050405020304" pitchFamily="18" charset="0"/>
-            </a:endParaRPr>
-          </a:p>
-        </p:txBody>
-      </p:sp>
+            <a:r>
+              <a:rPr lang="pt-BR" dirty="0"/>
+              <a:t>Aplicando o teste para duas raízes unitárias (que possuem significância econométrica) rejeita-se a hipótese</a:t>
+            </a:r>
+            <a:br>
+              <a:rPr lang="pt-BR" dirty="0"/>
+            </a:br>
+            <a:r>
+              <a:rPr lang="pt-BR" dirty="0"/>
+              <a:t>nula. Mas para o passo dois não rejeita-se a hipótese nula. Assim, nota-se que há uma </a:t>
+            </a:r>
+            <a:r>
+              <a:rPr lang="pt-BR" dirty="0" err="1"/>
+              <a:t>raíz</a:t>
+            </a:r>
+            <a:r>
+              <a:rPr lang="pt-BR" dirty="0"/>
+              <a:t> unitária.</a:t>
+            </a:r>
+            <a:r>
+              <a:rPr lang="pt-BR" dirty="0"/>
+              <a:t> </a:t>
+            </a:r>
+            <a:br>
+              <a:rPr lang="pt-BR" dirty="0"/>
+            </a:br>
+            <a:endParaRPr lang="pt-BR" dirty="0"/>
+          </a:p>
+        </p:txBody>
+      </p:sp>
+      <p:pic>
+        <p:nvPicPr>
+          <p:cNvPr id="7" name="Imagem 6"/>
+          <p:cNvPicPr>
+            <a:picLocks noChangeAspect="1"/>
+          </p:cNvPicPr>
+          <p:nvPr/>
+        </p:nvPicPr>
+        <p:blipFill>
+          <a:blip r:embed="rId4"/>
+          <a:stretch>
+            <a:fillRect/>
+          </a:stretch>
+        </p:blipFill>
+        <p:spPr>
+          <a:xfrm>
+            <a:off x="597056" y="1763555"/>
+            <a:ext cx="4348431" cy="592428"/>
+          </a:xfrm>
+          <a:prstGeom prst="rect">
+            <a:avLst/>
+          </a:prstGeom>
+        </p:spPr>
+      </p:pic>
+      <p:pic>
+        <p:nvPicPr>
+          <p:cNvPr id="9" name="Imagem 8"/>
+          <p:cNvPicPr>
+            <a:picLocks noChangeAspect="1"/>
+          </p:cNvPicPr>
+          <p:nvPr/>
+        </p:nvPicPr>
+        <p:blipFill>
+          <a:blip r:embed="rId5"/>
+          <a:stretch>
+            <a:fillRect/>
+          </a:stretch>
+        </p:blipFill>
+        <p:spPr>
+          <a:xfrm>
+            <a:off x="543680" y="2342736"/>
+            <a:ext cx="3461621" cy="1569555"/>
+          </a:xfrm>
+          <a:prstGeom prst="rect">
+            <a:avLst/>
+          </a:prstGeom>
+        </p:spPr>
+      </p:pic>
+      <p:pic>
+        <p:nvPicPr>
+          <p:cNvPr id="11" name="Imagem 10"/>
+          <p:cNvPicPr>
+            <a:picLocks noChangeAspect="1"/>
+          </p:cNvPicPr>
+          <p:nvPr/>
+        </p:nvPicPr>
+        <p:blipFill>
+          <a:blip r:embed="rId6"/>
+          <a:stretch>
+            <a:fillRect/>
+          </a:stretch>
+        </p:blipFill>
+        <p:spPr>
+          <a:xfrm>
+            <a:off x="597056" y="3882811"/>
+            <a:ext cx="3296110" cy="1114581"/>
+          </a:xfrm>
+          <a:prstGeom prst="rect">
+            <a:avLst/>
+          </a:prstGeom>
+        </p:spPr>
+      </p:pic>
+      <p:pic>
+        <p:nvPicPr>
+          <p:cNvPr id="12" name="Imagem 11"/>
+          <p:cNvPicPr>
+            <a:picLocks noChangeAspect="1"/>
+          </p:cNvPicPr>
+          <p:nvPr/>
+        </p:nvPicPr>
+        <p:blipFill>
+          <a:blip r:embed="rId7"/>
+          <a:stretch>
+            <a:fillRect/>
+          </a:stretch>
+        </p:blipFill>
+        <p:spPr>
+          <a:xfrm>
+            <a:off x="6332448" y="1763555"/>
+            <a:ext cx="4028801" cy="3509324"/>
+          </a:xfrm>
+          <a:prstGeom prst="rect">
+            <a:avLst/>
+          </a:prstGeom>
+        </p:spPr>
+      </p:pic>
     </p:spTree>
     <p:extLst>
       <p:ext uri="{BB962C8B-B14F-4D97-AF65-F5344CB8AC3E}">
-        <p14:creationId xmlns:p14="http://schemas.microsoft.com/office/powerpoint/2010/main" val="3548137775"/>
+        <p14:creationId xmlns:p14="http://schemas.microsoft.com/office/powerpoint/2010/main" val="2494249366"/>
       </p:ext>
     </p:extLst>
   </p:cSld>
